--- a/AY01/ay1.pptx
+++ b/AY01/ay1.pptx
@@ -10,8 +10,6 @@
     <p:sldId id="257" r:id="rId4"/>
     <p:sldId id="261" r:id="rId5"/>
     <p:sldId id="262" r:id="rId6"/>
-    <p:sldId id="263" r:id="rId7"/>
-    <p:sldId id="260" r:id="rId8"/>
   </p:sldIdLst>
   <p:sldSz cx="12192000" cy="6858000"/>
   <p:notesSz cx="6858000" cy="9144000"/>
@@ -1527,7 +1525,7 @@
           <a:p>
             <a:fld id="{DBACD8B3-7028-1345-A1C2-5DBECAD7FFD6}" type="datetimeFigureOut">
               <a:rPr lang="es-ES_tradnl" smtClean="0"/>
-              <a:t>6/8/19</a:t>
+              <a:t>17/8/19</a:t>
             </a:fld>
             <a:endParaRPr lang="es-ES_tradnl"/>
           </a:p>
@@ -2986,7 +2984,7 @@
           <a:p>
             <a:fld id="{DBACD8B3-7028-1345-A1C2-5DBECAD7FFD6}" type="datetimeFigureOut">
               <a:rPr lang="es-ES_tradnl" smtClean="0"/>
-              <a:t>6/8/19</a:t>
+              <a:t>17/8/19</a:t>
             </a:fld>
             <a:endParaRPr lang="es-ES_tradnl"/>
           </a:p>
@@ -4439,7 +4437,7 @@
           <a:p>
             <a:fld id="{DBACD8B3-7028-1345-A1C2-5DBECAD7FFD6}" type="datetimeFigureOut">
               <a:rPr lang="es-ES_tradnl" smtClean="0"/>
-              <a:t>6/8/19</a:t>
+              <a:t>17/8/19</a:t>
             </a:fld>
             <a:endParaRPr lang="es-ES_tradnl"/>
           </a:p>
@@ -5894,7 +5892,7 @@
           <a:p>
             <a:fld id="{DBACD8B3-7028-1345-A1C2-5DBECAD7FFD6}" type="datetimeFigureOut">
               <a:rPr lang="es-ES_tradnl" smtClean="0"/>
-              <a:t>6/8/19</a:t>
+              <a:t>17/8/19</a:t>
             </a:fld>
             <a:endParaRPr lang="es-ES_tradnl"/>
           </a:p>
@@ -7402,7 +7400,7 @@
           <a:p>
             <a:fld id="{DBACD8B3-7028-1345-A1C2-5DBECAD7FFD6}" type="datetimeFigureOut">
               <a:rPr lang="es-ES_tradnl" smtClean="0"/>
-              <a:t>6/8/19</a:t>
+              <a:t>17/8/19</a:t>
             </a:fld>
             <a:endParaRPr lang="es-ES_tradnl"/>
           </a:p>
@@ -8923,7 +8921,7 @@
           <a:p>
             <a:fld id="{DBACD8B3-7028-1345-A1C2-5DBECAD7FFD6}" type="datetimeFigureOut">
               <a:rPr lang="es-ES_tradnl" smtClean="0"/>
-              <a:t>6/8/19</a:t>
+              <a:t>17/8/19</a:t>
             </a:fld>
             <a:endParaRPr lang="es-ES_tradnl"/>
           </a:p>
@@ -10588,7 +10586,7 @@
           <a:p>
             <a:fld id="{DBACD8B3-7028-1345-A1C2-5DBECAD7FFD6}" type="datetimeFigureOut">
               <a:rPr lang="es-ES_tradnl" smtClean="0"/>
-              <a:t>6/8/19</a:t>
+              <a:t>17/8/19</a:t>
             </a:fld>
             <a:endParaRPr lang="es-ES_tradnl"/>
           </a:p>
@@ -11986,7 +11984,7 @@
           <a:p>
             <a:fld id="{DBACD8B3-7028-1345-A1C2-5DBECAD7FFD6}" type="datetimeFigureOut">
               <a:rPr lang="es-ES_tradnl" smtClean="0"/>
-              <a:t>6/8/19</a:t>
+              <a:t>17/8/19</a:t>
             </a:fld>
             <a:endParaRPr lang="es-ES_tradnl"/>
           </a:p>
@@ -12086,7 +12084,7 @@
           <a:p>
             <a:fld id="{DBACD8B3-7028-1345-A1C2-5DBECAD7FFD6}" type="datetimeFigureOut">
               <a:rPr lang="es-ES_tradnl" smtClean="0"/>
-              <a:t>6/8/19</a:t>
+              <a:t>17/8/19</a:t>
             </a:fld>
             <a:endParaRPr lang="es-ES_tradnl"/>
           </a:p>
@@ -13612,7 +13610,7 @@
           <a:p>
             <a:fld id="{DBACD8B3-7028-1345-A1C2-5DBECAD7FFD6}" type="datetimeFigureOut">
               <a:rPr lang="es-ES_tradnl" smtClean="0"/>
-              <a:t>6/8/19</a:t>
+              <a:t>17/8/19</a:t>
             </a:fld>
             <a:endParaRPr lang="es-ES_tradnl"/>
           </a:p>
@@ -15148,7 +15146,7 @@
           <a:p>
             <a:fld id="{DBACD8B3-7028-1345-A1C2-5DBECAD7FFD6}" type="datetimeFigureOut">
               <a:rPr lang="es-ES_tradnl" smtClean="0"/>
-              <a:t>6/8/19</a:t>
+              <a:t>17/8/19</a:t>
             </a:fld>
             <a:endParaRPr lang="es-ES_tradnl"/>
           </a:p>
@@ -15371,7 +15369,7 @@
           <a:p>
             <a:fld id="{DBACD8B3-7028-1345-A1C2-5DBECAD7FFD6}" type="datetimeFigureOut">
               <a:rPr lang="es-ES_tradnl" smtClean="0"/>
-              <a:t>6/8/19</a:t>
+              <a:t>17/8/19</a:t>
             </a:fld>
             <a:endParaRPr lang="es-ES_tradnl"/>
           </a:p>
@@ -27533,3621 +27531,6 @@
 </p:sld>
 </file>
 
-<file path=ppt/slides/slide6.xml><?xml version="1.0" encoding="utf-8"?>
-<p:sld xmlns:a="http://schemas.openxmlformats.org/drawingml/2006/main" xmlns:r="http://schemas.openxmlformats.org/officeDocument/2006/relationships" xmlns:p="http://schemas.openxmlformats.org/presentationml/2006/main">
-  <p:cSld>
-    <p:bg>
-      <p:bgPr>
-        <a:solidFill>
-          <a:schemeClr val="bg1"/>
-        </a:solidFill>
-        <a:effectLst/>
-      </p:bgPr>
-    </p:bg>
-    <p:spTree>
-      <p:nvGrpSpPr>
-        <p:cNvPr id="1" name=""/>
-        <p:cNvGrpSpPr/>
-        <p:nvPr/>
-      </p:nvGrpSpPr>
-      <p:grpSpPr>
-        <a:xfrm>
-          <a:off x="0" y="0"/>
-          <a:ext cx="0" cy="0"/>
-          <a:chOff x="0" y="0"/>
-          <a:chExt cx="0" cy="0"/>
-        </a:xfrm>
-      </p:grpSpPr>
-      <p:grpSp>
-        <p:nvGrpSpPr>
-          <p:cNvPr id="9" name="Group 8">
-            <a:extLst>
-              <a:ext uri="{FF2B5EF4-FFF2-40B4-BE49-F238E27FC236}">
-                <a16:creationId xmlns:a16="http://schemas.microsoft.com/office/drawing/2014/main" id="{2BBBD145-2FC5-42C1-97BE-1C636D139735}"/>
-              </a:ext>
-              <a:ext uri="{C183D7F6-B498-43B3-948B-1728B52AA6E4}">
-                <adec:decorative xmlns:adec="http://schemas.microsoft.com/office/drawing/2017/decorative" val="1"/>
-              </a:ext>
-            </a:extLst>
-          </p:cNvPr>
-          <p:cNvGrpSpPr>
-            <a:grpSpLocks noGrp="1" noUngrp="1" noRot="1" noChangeAspect="1" noMove="1" noResize="1"/>
-          </p:cNvGrpSpPr>
-          <p:nvPr>
-            <p:extLst>
-              <p:ext uri="{386F3935-93C4-4BCD-93E2-E3B085C9AB24}">
-                <p16:designElem xmlns:p16="http://schemas.microsoft.com/office/powerpoint/2015/main" val="1"/>
-              </p:ext>
-            </p:extLst>
-          </p:nvPr>
-        </p:nvGrpSpPr>
-        <p:grpSpPr>
-          <a:xfrm>
-            <a:off x="-417513" y="0"/>
-            <a:ext cx="12584114" cy="6853238"/>
-            <a:chOff x="-417513" y="0"/>
-            <a:chExt cx="12584114" cy="6853238"/>
-          </a:xfrm>
-        </p:grpSpPr>
-        <p:sp>
-          <p:nvSpPr>
-            <p:cNvPr id="10" name="Freeform 5">
-              <a:extLst>
-                <a:ext uri="{FF2B5EF4-FFF2-40B4-BE49-F238E27FC236}">
-                  <a16:creationId xmlns:a16="http://schemas.microsoft.com/office/drawing/2014/main" id="{952A4B46-1EE6-42F1-BBC0-02A47B99324A}"/>
-                </a:ext>
-                <a:ext uri="{C183D7F6-B498-43B3-948B-1728B52AA6E4}">
-                  <adec:decorative xmlns:adec="http://schemas.microsoft.com/office/drawing/2017/decorative" val="1"/>
-                </a:ext>
-              </a:extLst>
-            </p:cNvPr>
-            <p:cNvSpPr/>
-            <p:nvPr>
-              <p:extLst>
-                <p:ext uri="{386F3935-93C4-4BCD-93E2-E3B085C9AB24}">
-                  <p16:designElem xmlns:p16="http://schemas.microsoft.com/office/powerpoint/2015/main" val="1"/>
-                </p:ext>
-              </p:extLst>
-            </p:nvPr>
-          </p:nvSpPr>
-          <p:spPr bwMode="auto">
-            <a:xfrm>
-              <a:off x="1306513" y="0"/>
-              <a:ext cx="3862388" cy="6843713"/>
-            </a:xfrm>
-            <a:custGeom>
-              <a:avLst/>
-              <a:gdLst/>
-              <a:ahLst/>
-              <a:cxnLst/>
-              <a:rect l="0" t="0" r="r" b="b"/>
-              <a:pathLst>
-                <a:path w="813" h="1440">
-                  <a:moveTo>
-                    <a:pt x="813" y="0"/>
-                  </a:moveTo>
-                  <a:cubicBezTo>
-                    <a:pt x="331" y="221"/>
-                    <a:pt x="0" y="1039"/>
-                    <a:pt x="435" y="1440"/>
-                  </a:cubicBezTo>
-                </a:path>
-              </a:pathLst>
-            </a:custGeom>
-            <a:noFill/>
-            <a:ln w="9525" cap="flat">
-              <a:solidFill>
-                <a:schemeClr val="tx1">
-                  <a:alpha val="20000"/>
-                </a:schemeClr>
-              </a:solidFill>
-              <a:prstDash val="solid"/>
-              <a:miter lim="800000"/>
-              <a:headEnd/>
-              <a:tailEnd/>
-            </a:ln>
-            <a:extLst>
-              <a:ext uri="{909E8E84-426E-40DD-AFC4-6F175D3DCCD1}">
-                <a14:hiddenFill xmlns:a14="http://schemas.microsoft.com/office/drawing/2010/main">
-                  <a:solidFill>
-                    <a:srgbClr val="FFFFFF"/>
-                  </a:solidFill>
-                </a14:hiddenFill>
-              </a:ext>
-            </a:extLst>
-          </p:spPr>
-        </p:sp>
-        <p:sp>
-          <p:nvSpPr>
-            <p:cNvPr id="11" name="Freeform 6">
-              <a:extLst>
-                <a:ext uri="{FF2B5EF4-FFF2-40B4-BE49-F238E27FC236}">
-                  <a16:creationId xmlns:a16="http://schemas.microsoft.com/office/drawing/2014/main" id="{24058FF8-180E-4BFD-BFFC-E51367000C4E}"/>
-                </a:ext>
-                <a:ext uri="{C183D7F6-B498-43B3-948B-1728B52AA6E4}">
-                  <adec:decorative xmlns:adec="http://schemas.microsoft.com/office/drawing/2017/decorative" val="1"/>
-                </a:ext>
-              </a:extLst>
-            </p:cNvPr>
-            <p:cNvSpPr/>
-            <p:nvPr>
-              <p:extLst>
-                <p:ext uri="{386F3935-93C4-4BCD-93E2-E3B085C9AB24}">
-                  <p16:designElem xmlns:p16="http://schemas.microsoft.com/office/powerpoint/2015/main" val="1"/>
-                </p:ext>
-              </p:extLst>
-            </p:nvPr>
-          </p:nvSpPr>
-          <p:spPr bwMode="auto">
-            <a:xfrm>
-              <a:off x="10626725" y="9525"/>
-              <a:ext cx="1539875" cy="555625"/>
-            </a:xfrm>
-            <a:custGeom>
-              <a:avLst/>
-              <a:gdLst/>
-              <a:ahLst/>
-              <a:cxnLst/>
-              <a:rect l="0" t="0" r="r" b="b"/>
-              <a:pathLst>
-                <a:path w="324" h="117">
-                  <a:moveTo>
-                    <a:pt x="324" y="117"/>
-                  </a:moveTo>
-                  <a:cubicBezTo>
-                    <a:pt x="223" y="64"/>
-                    <a:pt x="107" y="28"/>
-                    <a:pt x="0" y="0"/>
-                  </a:cubicBezTo>
-                </a:path>
-              </a:pathLst>
-            </a:custGeom>
-            <a:noFill/>
-            <a:ln w="9525" cap="flat">
-              <a:solidFill>
-                <a:schemeClr val="tx1">
-                  <a:alpha val="20000"/>
-                </a:schemeClr>
-              </a:solidFill>
-              <a:prstDash val="solid"/>
-              <a:miter lim="800000"/>
-              <a:headEnd/>
-              <a:tailEnd/>
-            </a:ln>
-            <a:extLst>
-              <a:ext uri="{909E8E84-426E-40DD-AFC4-6F175D3DCCD1}">
-                <a14:hiddenFill xmlns:a14="http://schemas.microsoft.com/office/drawing/2010/main">
-                  <a:solidFill>
-                    <a:srgbClr val="FFFFFF"/>
-                  </a:solidFill>
-                </a14:hiddenFill>
-              </a:ext>
-            </a:extLst>
-          </p:spPr>
-        </p:sp>
-        <p:sp>
-          <p:nvSpPr>
-            <p:cNvPr id="12" name="Freeform 7">
-              <a:extLst>
-                <a:ext uri="{FF2B5EF4-FFF2-40B4-BE49-F238E27FC236}">
-                  <a16:creationId xmlns:a16="http://schemas.microsoft.com/office/drawing/2014/main" id="{A423535B-8DEB-423C-9F9D-529C3123EB6E}"/>
-                </a:ext>
-                <a:ext uri="{C183D7F6-B498-43B3-948B-1728B52AA6E4}">
-                  <adec:decorative xmlns:adec="http://schemas.microsoft.com/office/drawing/2017/decorative" val="1"/>
-                </a:ext>
-              </a:extLst>
-            </p:cNvPr>
-            <p:cNvSpPr/>
-            <p:nvPr>
-              <p:extLst>
-                <p:ext uri="{386F3935-93C4-4BCD-93E2-E3B085C9AB24}">
-                  <p16:designElem xmlns:p16="http://schemas.microsoft.com/office/powerpoint/2015/main" val="1"/>
-                </p:ext>
-              </p:extLst>
-            </p:nvPr>
-          </p:nvSpPr>
-          <p:spPr bwMode="auto">
-            <a:xfrm>
-              <a:off x="10247313" y="5013325"/>
-              <a:ext cx="1919288" cy="1830388"/>
-            </a:xfrm>
-            <a:custGeom>
-              <a:avLst/>
-              <a:gdLst/>
-              <a:ahLst/>
-              <a:cxnLst/>
-              <a:rect l="0" t="0" r="r" b="b"/>
-              <a:pathLst>
-                <a:path w="404" h="385">
-                  <a:moveTo>
-                    <a:pt x="0" y="385"/>
-                  </a:moveTo>
-                  <a:cubicBezTo>
-                    <a:pt x="146" y="272"/>
-                    <a:pt x="285" y="142"/>
-                    <a:pt x="404" y="0"/>
-                  </a:cubicBezTo>
-                </a:path>
-              </a:pathLst>
-            </a:custGeom>
-            <a:noFill/>
-            <a:ln w="9525" cap="flat">
-              <a:solidFill>
-                <a:schemeClr val="tx1">
-                  <a:alpha val="20000"/>
-                </a:schemeClr>
-              </a:solidFill>
-              <a:prstDash val="solid"/>
-              <a:miter lim="800000"/>
-              <a:headEnd/>
-              <a:tailEnd/>
-            </a:ln>
-            <a:extLst>
-              <a:ext uri="{909E8E84-426E-40DD-AFC4-6F175D3DCCD1}">
-                <a14:hiddenFill xmlns:a14="http://schemas.microsoft.com/office/drawing/2010/main">
-                  <a:solidFill>
-                    <a:srgbClr val="FFFFFF"/>
-                  </a:solidFill>
-                </a14:hiddenFill>
-              </a:ext>
-            </a:extLst>
-          </p:spPr>
-        </p:sp>
-        <p:sp>
-          <p:nvSpPr>
-            <p:cNvPr id="13" name="Freeform 8">
-              <a:extLst>
-                <a:ext uri="{FF2B5EF4-FFF2-40B4-BE49-F238E27FC236}">
-                  <a16:creationId xmlns:a16="http://schemas.microsoft.com/office/drawing/2014/main" id="{988732CF-5FD1-4FE3-B520-C9F956B3A759}"/>
-                </a:ext>
-                <a:ext uri="{C183D7F6-B498-43B3-948B-1728B52AA6E4}">
-                  <adec:decorative xmlns:adec="http://schemas.microsoft.com/office/drawing/2017/decorative" val="1"/>
-                </a:ext>
-              </a:extLst>
-            </p:cNvPr>
-            <p:cNvSpPr/>
-            <p:nvPr>
-              <p:extLst>
-                <p:ext uri="{386F3935-93C4-4BCD-93E2-E3B085C9AB24}">
-                  <p16:designElem xmlns:p16="http://schemas.microsoft.com/office/powerpoint/2015/main" val="1"/>
-                </p:ext>
-              </p:extLst>
-            </p:nvPr>
-          </p:nvSpPr>
-          <p:spPr bwMode="auto">
-            <a:xfrm>
-              <a:off x="1120775" y="0"/>
-              <a:ext cx="3676650" cy="6843713"/>
-            </a:xfrm>
-            <a:custGeom>
-              <a:avLst/>
-              <a:gdLst/>
-              <a:ahLst/>
-              <a:cxnLst/>
-              <a:rect l="0" t="0" r="r" b="b"/>
-              <a:pathLst>
-                <a:path w="774" h="1440">
-                  <a:moveTo>
-                    <a:pt x="774" y="0"/>
-                  </a:moveTo>
-                  <a:cubicBezTo>
-                    <a:pt x="312" y="240"/>
-                    <a:pt x="0" y="1034"/>
-                    <a:pt x="411" y="1440"/>
-                  </a:cubicBezTo>
-                </a:path>
-              </a:pathLst>
-            </a:custGeom>
-            <a:noFill/>
-            <a:ln w="9525" cap="flat">
-              <a:solidFill>
-                <a:schemeClr val="tx1">
-                  <a:alpha val="20000"/>
-                </a:schemeClr>
-              </a:solidFill>
-              <a:prstDash val="dash"/>
-              <a:miter lim="800000"/>
-              <a:headEnd/>
-              <a:tailEnd/>
-            </a:ln>
-            <a:extLst>
-              <a:ext uri="{909E8E84-426E-40DD-AFC4-6F175D3DCCD1}">
-                <a14:hiddenFill xmlns:a14="http://schemas.microsoft.com/office/drawing/2010/main">
-                  <a:solidFill>
-                    <a:srgbClr val="FFFFFF"/>
-                  </a:solidFill>
-                </a14:hiddenFill>
-              </a:ext>
-            </a:extLst>
-          </p:spPr>
-        </p:sp>
-        <p:sp>
-          <p:nvSpPr>
-            <p:cNvPr id="14" name="Freeform 9">
-              <a:extLst>
-                <a:ext uri="{FF2B5EF4-FFF2-40B4-BE49-F238E27FC236}">
-                  <a16:creationId xmlns:a16="http://schemas.microsoft.com/office/drawing/2014/main" id="{ED91F632-7ADB-48B4-A824-B68FA6CC670B}"/>
-                </a:ext>
-                <a:ext uri="{C183D7F6-B498-43B3-948B-1728B52AA6E4}">
-                  <adec:decorative xmlns:adec="http://schemas.microsoft.com/office/drawing/2017/decorative" val="1"/>
-                </a:ext>
-              </a:extLst>
-            </p:cNvPr>
-            <p:cNvSpPr/>
-            <p:nvPr>
-              <p:extLst>
-                <p:ext uri="{386F3935-93C4-4BCD-93E2-E3B085C9AB24}">
-                  <p16:designElem xmlns:p16="http://schemas.microsoft.com/office/powerpoint/2015/main" val="1"/>
-                </p:ext>
-              </p:extLst>
-            </p:nvPr>
-          </p:nvSpPr>
-          <p:spPr bwMode="auto">
-            <a:xfrm>
-              <a:off x="11202988" y="9525"/>
-              <a:ext cx="963613" cy="366713"/>
-            </a:xfrm>
-            <a:custGeom>
-              <a:avLst/>
-              <a:gdLst/>
-              <a:ahLst/>
-              <a:cxnLst/>
-              <a:rect l="0" t="0" r="r" b="b"/>
-              <a:pathLst>
-                <a:path w="203" h="77">
-                  <a:moveTo>
-                    <a:pt x="203" y="77"/>
-                  </a:moveTo>
-                  <a:cubicBezTo>
-                    <a:pt x="138" y="46"/>
-                    <a:pt x="68" y="21"/>
-                    <a:pt x="0" y="0"/>
-                  </a:cubicBezTo>
-                </a:path>
-              </a:pathLst>
-            </a:custGeom>
-            <a:noFill/>
-            <a:ln w="9525" cap="flat">
-              <a:solidFill>
-                <a:schemeClr val="tx1">
-                  <a:alpha val="20000"/>
-                </a:schemeClr>
-              </a:solidFill>
-              <a:prstDash val="dash"/>
-              <a:miter lim="800000"/>
-              <a:headEnd/>
-              <a:tailEnd/>
-            </a:ln>
-            <a:extLst>
-              <a:ext uri="{909E8E84-426E-40DD-AFC4-6F175D3DCCD1}">
-                <a14:hiddenFill xmlns:a14="http://schemas.microsoft.com/office/drawing/2010/main">
-                  <a:solidFill>
-                    <a:srgbClr val="FFFFFF"/>
-                  </a:solidFill>
-                </a14:hiddenFill>
-              </a:ext>
-            </a:extLst>
-          </p:spPr>
-        </p:sp>
-        <p:sp>
-          <p:nvSpPr>
-            <p:cNvPr id="15" name="Freeform 10">
-              <a:extLst>
-                <a:ext uri="{FF2B5EF4-FFF2-40B4-BE49-F238E27FC236}">
-                  <a16:creationId xmlns:a16="http://schemas.microsoft.com/office/drawing/2014/main" id="{57CA5A76-3D12-43F9-BD26-A64EEE6C819F}"/>
-                </a:ext>
-                <a:ext uri="{C183D7F6-B498-43B3-948B-1728B52AA6E4}">
-                  <adec:decorative xmlns:adec="http://schemas.microsoft.com/office/drawing/2017/decorative" val="1"/>
-                </a:ext>
-              </a:extLst>
-            </p:cNvPr>
-            <p:cNvSpPr/>
-            <p:nvPr>
-              <p:extLst>
-                <p:ext uri="{386F3935-93C4-4BCD-93E2-E3B085C9AB24}">
-                  <p16:designElem xmlns:p16="http://schemas.microsoft.com/office/powerpoint/2015/main" val="1"/>
-                </p:ext>
-              </p:extLst>
-            </p:nvPr>
-          </p:nvSpPr>
-          <p:spPr bwMode="auto">
-            <a:xfrm>
-              <a:off x="10494963" y="5275263"/>
-              <a:ext cx="1666875" cy="1577975"/>
-            </a:xfrm>
-            <a:custGeom>
-              <a:avLst/>
-              <a:gdLst/>
-              <a:ahLst/>
-              <a:cxnLst/>
-              <a:rect l="0" t="0" r="r" b="b"/>
-              <a:pathLst>
-                <a:path w="351" h="332">
-                  <a:moveTo>
-                    <a:pt x="0" y="332"/>
-                  </a:moveTo>
-                  <a:cubicBezTo>
-                    <a:pt x="125" y="232"/>
-                    <a:pt x="245" y="121"/>
-                    <a:pt x="351" y="0"/>
-                  </a:cubicBezTo>
-                </a:path>
-              </a:pathLst>
-            </a:custGeom>
-            <a:noFill/>
-            <a:ln w="9525" cap="flat">
-              <a:solidFill>
-                <a:schemeClr val="tx1">
-                  <a:alpha val="20000"/>
-                </a:schemeClr>
-              </a:solidFill>
-              <a:prstDash val="dash"/>
-              <a:miter lim="800000"/>
-              <a:headEnd/>
-              <a:tailEnd/>
-            </a:ln>
-            <a:extLst>
-              <a:ext uri="{909E8E84-426E-40DD-AFC4-6F175D3DCCD1}">
-                <a14:hiddenFill xmlns:a14="http://schemas.microsoft.com/office/drawing/2010/main">
-                  <a:solidFill>
-                    <a:srgbClr val="FFFFFF"/>
-                  </a:solidFill>
-                </a14:hiddenFill>
-              </a:ext>
-            </a:extLst>
-          </p:spPr>
-        </p:sp>
-        <p:sp>
-          <p:nvSpPr>
-            <p:cNvPr id="16" name="Freeform 11">
-              <a:extLst>
-                <a:ext uri="{FF2B5EF4-FFF2-40B4-BE49-F238E27FC236}">
-                  <a16:creationId xmlns:a16="http://schemas.microsoft.com/office/drawing/2014/main" id="{16934D21-CB88-41CD-ABEA-2F060AD51BA8}"/>
-                </a:ext>
-                <a:ext uri="{C183D7F6-B498-43B3-948B-1728B52AA6E4}">
-                  <adec:decorative xmlns:adec="http://schemas.microsoft.com/office/drawing/2017/decorative" val="1"/>
-                </a:ext>
-              </a:extLst>
-            </p:cNvPr>
-            <p:cNvSpPr/>
-            <p:nvPr>
-              <p:extLst>
-                <p:ext uri="{386F3935-93C4-4BCD-93E2-E3B085C9AB24}">
-                  <p16:designElem xmlns:p16="http://schemas.microsoft.com/office/powerpoint/2015/main" val="1"/>
-                </p:ext>
-              </p:extLst>
-            </p:nvPr>
-          </p:nvSpPr>
-          <p:spPr bwMode="auto">
-            <a:xfrm>
-              <a:off x="1001713" y="0"/>
-              <a:ext cx="3621088" cy="6843713"/>
-            </a:xfrm>
-            <a:custGeom>
-              <a:avLst/>
-              <a:gdLst/>
-              <a:ahLst/>
-              <a:cxnLst/>
-              <a:rect l="0" t="0" r="r" b="b"/>
-              <a:pathLst>
-                <a:path w="762" h="1440">
-                  <a:moveTo>
-                    <a:pt x="762" y="0"/>
-                  </a:moveTo>
-                  <a:cubicBezTo>
-                    <a:pt x="308" y="245"/>
-                    <a:pt x="0" y="1033"/>
-                    <a:pt x="403" y="1440"/>
-                  </a:cubicBezTo>
-                </a:path>
-              </a:pathLst>
-            </a:custGeom>
-            <a:noFill/>
-            <a:ln w="9525" cap="flat">
-              <a:solidFill>
-                <a:schemeClr val="tx1">
-                  <a:alpha val="20000"/>
-                </a:schemeClr>
-              </a:solidFill>
-              <a:prstDash val="solid"/>
-              <a:miter lim="800000"/>
-              <a:headEnd/>
-              <a:tailEnd/>
-            </a:ln>
-            <a:extLst>
-              <a:ext uri="{909E8E84-426E-40DD-AFC4-6F175D3DCCD1}">
-                <a14:hiddenFill xmlns:a14="http://schemas.microsoft.com/office/drawing/2010/main">
-                  <a:solidFill>
-                    <a:srgbClr val="FFFFFF"/>
-                  </a:solidFill>
-                </a14:hiddenFill>
-              </a:ext>
-            </a:extLst>
-          </p:spPr>
-        </p:sp>
-        <p:sp>
-          <p:nvSpPr>
-            <p:cNvPr id="17" name="Freeform 12">
-              <a:extLst>
-                <a:ext uri="{FF2B5EF4-FFF2-40B4-BE49-F238E27FC236}">
-                  <a16:creationId xmlns:a16="http://schemas.microsoft.com/office/drawing/2014/main" id="{2CA1546D-1E7E-4CE9-9531-FE1F102AD9BF}"/>
-                </a:ext>
-                <a:ext uri="{C183D7F6-B498-43B3-948B-1728B52AA6E4}">
-                  <adec:decorative xmlns:adec="http://schemas.microsoft.com/office/drawing/2017/decorative" val="1"/>
-                </a:ext>
-              </a:extLst>
-            </p:cNvPr>
-            <p:cNvSpPr/>
-            <p:nvPr>
-              <p:extLst>
-                <p:ext uri="{386F3935-93C4-4BCD-93E2-E3B085C9AB24}">
-                  <p16:designElem xmlns:p16="http://schemas.microsoft.com/office/powerpoint/2015/main" val="1"/>
-                </p:ext>
-              </p:extLst>
-            </p:nvPr>
-          </p:nvSpPr>
-          <p:spPr bwMode="auto">
-            <a:xfrm>
-              <a:off x="11501438" y="9525"/>
-              <a:ext cx="665163" cy="257175"/>
-            </a:xfrm>
-            <a:custGeom>
-              <a:avLst/>
-              <a:gdLst/>
-              <a:ahLst/>
-              <a:cxnLst/>
-              <a:rect l="0" t="0" r="r" b="b"/>
-              <a:pathLst>
-                <a:path w="140" h="54">
-                  <a:moveTo>
-                    <a:pt x="140" y="54"/>
-                  </a:moveTo>
-                  <a:cubicBezTo>
-                    <a:pt x="95" y="34"/>
-                    <a:pt x="48" y="16"/>
-                    <a:pt x="0" y="0"/>
-                  </a:cubicBezTo>
-                </a:path>
-              </a:pathLst>
-            </a:custGeom>
-            <a:noFill/>
-            <a:ln w="9525" cap="flat">
-              <a:solidFill>
-                <a:schemeClr val="tx1">
-                  <a:alpha val="20000"/>
-                </a:schemeClr>
-              </a:solidFill>
-              <a:prstDash val="solid"/>
-              <a:miter lim="800000"/>
-              <a:headEnd/>
-              <a:tailEnd/>
-            </a:ln>
-            <a:extLst>
-              <a:ext uri="{909E8E84-426E-40DD-AFC4-6F175D3DCCD1}">
-                <a14:hiddenFill xmlns:a14="http://schemas.microsoft.com/office/drawing/2010/main">
-                  <a:solidFill>
-                    <a:srgbClr val="FFFFFF"/>
-                  </a:solidFill>
-                </a14:hiddenFill>
-              </a:ext>
-            </a:extLst>
-          </p:spPr>
-        </p:sp>
-        <p:sp>
-          <p:nvSpPr>
-            <p:cNvPr id="18" name="Freeform 13">
-              <a:extLst>
-                <a:ext uri="{FF2B5EF4-FFF2-40B4-BE49-F238E27FC236}">
-                  <a16:creationId xmlns:a16="http://schemas.microsoft.com/office/drawing/2014/main" id="{F8B2A6F1-7328-4D5B-8CD1-2D4F01C243EB}"/>
-                </a:ext>
-                <a:ext uri="{C183D7F6-B498-43B3-948B-1728B52AA6E4}">
-                  <adec:decorative xmlns:adec="http://schemas.microsoft.com/office/drawing/2017/decorative" val="1"/>
-                </a:ext>
-              </a:extLst>
-            </p:cNvPr>
-            <p:cNvSpPr/>
-            <p:nvPr>
-              <p:extLst>
-                <p:ext uri="{386F3935-93C4-4BCD-93E2-E3B085C9AB24}">
-                  <p16:designElem xmlns:p16="http://schemas.microsoft.com/office/powerpoint/2015/main" val="1"/>
-                </p:ext>
-              </p:extLst>
-            </p:nvPr>
-          </p:nvSpPr>
-          <p:spPr bwMode="auto">
-            <a:xfrm>
-              <a:off x="10641013" y="5408613"/>
-              <a:ext cx="1525588" cy="1435100"/>
-            </a:xfrm>
-            <a:custGeom>
-              <a:avLst/>
-              <a:gdLst/>
-              <a:ahLst/>
-              <a:cxnLst/>
-              <a:rect l="0" t="0" r="r" b="b"/>
-              <a:pathLst>
-                <a:path w="321" h="302">
-                  <a:moveTo>
-                    <a:pt x="0" y="302"/>
-                  </a:moveTo>
-                  <a:cubicBezTo>
-                    <a:pt x="114" y="210"/>
-                    <a:pt x="223" y="109"/>
-                    <a:pt x="321" y="0"/>
-                  </a:cubicBezTo>
-                </a:path>
-              </a:pathLst>
-            </a:custGeom>
-            <a:noFill/>
-            <a:ln w="9525" cap="flat">
-              <a:solidFill>
-                <a:schemeClr val="tx1">
-                  <a:alpha val="20000"/>
-                </a:schemeClr>
-              </a:solidFill>
-              <a:prstDash val="solid"/>
-              <a:miter lim="800000"/>
-              <a:headEnd/>
-              <a:tailEnd/>
-            </a:ln>
-            <a:extLst>
-              <a:ext uri="{909E8E84-426E-40DD-AFC4-6F175D3DCCD1}">
-                <a14:hiddenFill xmlns:a14="http://schemas.microsoft.com/office/drawing/2010/main">
-                  <a:solidFill>
-                    <a:srgbClr val="FFFFFF"/>
-                  </a:solidFill>
-                </a14:hiddenFill>
-              </a:ext>
-            </a:extLst>
-          </p:spPr>
-        </p:sp>
-        <p:sp>
-          <p:nvSpPr>
-            <p:cNvPr id="19" name="Freeform 14">
-              <a:extLst>
-                <a:ext uri="{FF2B5EF4-FFF2-40B4-BE49-F238E27FC236}">
-                  <a16:creationId xmlns:a16="http://schemas.microsoft.com/office/drawing/2014/main" id="{24C0204A-E727-41C5-9910-30FF39A3BA30}"/>
-                </a:ext>
-                <a:ext uri="{C183D7F6-B498-43B3-948B-1728B52AA6E4}">
-                  <adec:decorative xmlns:adec="http://schemas.microsoft.com/office/drawing/2017/decorative" val="1"/>
-                </a:ext>
-              </a:extLst>
-            </p:cNvPr>
-            <p:cNvSpPr/>
-            <p:nvPr>
-              <p:extLst>
-                <p:ext uri="{386F3935-93C4-4BCD-93E2-E3B085C9AB24}">
-                  <p16:designElem xmlns:p16="http://schemas.microsoft.com/office/powerpoint/2015/main" val="1"/>
-                </p:ext>
-              </p:extLst>
-            </p:nvPr>
-          </p:nvSpPr>
-          <p:spPr bwMode="auto">
-            <a:xfrm>
-              <a:off x="1001713" y="0"/>
-              <a:ext cx="3244850" cy="6843713"/>
-            </a:xfrm>
-            <a:custGeom>
-              <a:avLst/>
-              <a:gdLst/>
-              <a:ahLst/>
-              <a:cxnLst/>
-              <a:rect l="0" t="0" r="r" b="b"/>
-              <a:pathLst>
-                <a:path w="683" h="1440">
-                  <a:moveTo>
-                    <a:pt x="683" y="0"/>
-                  </a:moveTo>
-                  <a:cubicBezTo>
-                    <a:pt x="258" y="256"/>
-                    <a:pt x="0" y="1041"/>
-                    <a:pt x="355" y="1440"/>
-                  </a:cubicBezTo>
-                </a:path>
-              </a:pathLst>
-            </a:custGeom>
-            <a:noFill/>
-            <a:ln w="9525" cap="flat">
-              <a:solidFill>
-                <a:schemeClr val="tx1">
-                  <a:alpha val="20000"/>
-                </a:schemeClr>
-              </a:solidFill>
-              <a:prstDash val="solid"/>
-              <a:miter lim="800000"/>
-              <a:headEnd/>
-              <a:tailEnd/>
-            </a:ln>
-            <a:extLst>
-              <a:ext uri="{909E8E84-426E-40DD-AFC4-6F175D3DCCD1}">
-                <a14:hiddenFill xmlns:a14="http://schemas.microsoft.com/office/drawing/2010/main">
-                  <a:solidFill>
-                    <a:srgbClr val="FFFFFF"/>
-                  </a:solidFill>
-                </a14:hiddenFill>
-              </a:ext>
-            </a:extLst>
-          </p:spPr>
-        </p:sp>
-        <p:sp>
-          <p:nvSpPr>
-            <p:cNvPr id="20" name="Freeform 15">
-              <a:extLst>
-                <a:ext uri="{FF2B5EF4-FFF2-40B4-BE49-F238E27FC236}">
-                  <a16:creationId xmlns:a16="http://schemas.microsoft.com/office/drawing/2014/main" id="{1FA04CE5-5DB6-4B00-9A83-0D9D2774CB57}"/>
-                </a:ext>
-                <a:ext uri="{C183D7F6-B498-43B3-948B-1728B52AA6E4}">
-                  <adec:decorative xmlns:adec="http://schemas.microsoft.com/office/drawing/2017/decorative" val="1"/>
-                </a:ext>
-              </a:extLst>
-            </p:cNvPr>
-            <p:cNvSpPr/>
-            <p:nvPr>
-              <p:extLst>
-                <p:ext uri="{386F3935-93C4-4BCD-93E2-E3B085C9AB24}">
-                  <p16:designElem xmlns:p16="http://schemas.microsoft.com/office/powerpoint/2015/main" val="1"/>
-                </p:ext>
-              </p:extLst>
-            </p:nvPr>
-          </p:nvSpPr>
-          <p:spPr bwMode="auto">
-            <a:xfrm>
-              <a:off x="10802938" y="5518150"/>
-              <a:ext cx="1363663" cy="1325563"/>
-            </a:xfrm>
-            <a:custGeom>
-              <a:avLst/>
-              <a:gdLst/>
-              <a:ahLst/>
-              <a:cxnLst/>
-              <a:rect l="0" t="0" r="r" b="b"/>
-              <a:pathLst>
-                <a:path w="287" h="279">
-                  <a:moveTo>
-                    <a:pt x="0" y="279"/>
-                  </a:moveTo>
-                  <a:cubicBezTo>
-                    <a:pt x="101" y="193"/>
-                    <a:pt x="198" y="100"/>
-                    <a:pt x="287" y="0"/>
-                  </a:cubicBezTo>
-                </a:path>
-              </a:pathLst>
-            </a:custGeom>
-            <a:noFill/>
-            <a:ln w="9525" cap="flat">
-              <a:solidFill>
-                <a:schemeClr val="tx1">
-                  <a:alpha val="20000"/>
-                </a:schemeClr>
-              </a:solidFill>
-              <a:prstDash val="solid"/>
-              <a:miter lim="800000"/>
-              <a:headEnd/>
-              <a:tailEnd/>
-            </a:ln>
-            <a:extLst>
-              <a:ext uri="{909E8E84-426E-40DD-AFC4-6F175D3DCCD1}">
-                <a14:hiddenFill xmlns:a14="http://schemas.microsoft.com/office/drawing/2010/main">
-                  <a:solidFill>
-                    <a:srgbClr val="FFFFFF"/>
-                  </a:solidFill>
-                </a14:hiddenFill>
-              </a:ext>
-            </a:extLst>
-          </p:spPr>
-        </p:sp>
-        <p:sp>
-          <p:nvSpPr>
-            <p:cNvPr id="21" name="Freeform 16">
-              <a:extLst>
-                <a:ext uri="{FF2B5EF4-FFF2-40B4-BE49-F238E27FC236}">
-                  <a16:creationId xmlns:a16="http://schemas.microsoft.com/office/drawing/2014/main" id="{EDECB57F-0466-4D16-ABF0-9046F90AFA9E}"/>
-                </a:ext>
-                <a:ext uri="{C183D7F6-B498-43B3-948B-1728B52AA6E4}">
-                  <adec:decorative xmlns:adec="http://schemas.microsoft.com/office/drawing/2017/decorative" val="1"/>
-                </a:ext>
-              </a:extLst>
-            </p:cNvPr>
-            <p:cNvSpPr/>
-            <p:nvPr>
-              <p:extLst>
-                <p:ext uri="{386F3935-93C4-4BCD-93E2-E3B085C9AB24}">
-                  <p16:designElem xmlns:p16="http://schemas.microsoft.com/office/powerpoint/2015/main" val="1"/>
-                </p:ext>
-              </p:extLst>
-            </p:nvPr>
-          </p:nvSpPr>
-          <p:spPr bwMode="auto">
-            <a:xfrm>
-              <a:off x="889000" y="0"/>
-              <a:ext cx="3230563" cy="6843713"/>
-            </a:xfrm>
-            <a:custGeom>
-              <a:avLst/>
-              <a:gdLst/>
-              <a:ahLst/>
-              <a:cxnLst/>
-              <a:rect l="0" t="0" r="r" b="b"/>
-              <a:pathLst>
-                <a:path w="680" h="1440">
-                  <a:moveTo>
-                    <a:pt x="680" y="0"/>
-                  </a:moveTo>
-                  <a:cubicBezTo>
-                    <a:pt x="257" y="265"/>
-                    <a:pt x="0" y="1026"/>
-                    <a:pt x="337" y="1440"/>
-                  </a:cubicBezTo>
-                </a:path>
-              </a:pathLst>
-            </a:custGeom>
-            <a:noFill/>
-            <a:ln w="9525" cap="flat">
-              <a:solidFill>
-                <a:schemeClr val="tx1">
-                  <a:alpha val="20000"/>
-                </a:schemeClr>
-              </a:solidFill>
-              <a:prstDash val="solid"/>
-              <a:miter lim="800000"/>
-              <a:headEnd/>
-              <a:tailEnd/>
-            </a:ln>
-            <a:extLst>
-              <a:ext uri="{909E8E84-426E-40DD-AFC4-6F175D3DCCD1}">
-                <a14:hiddenFill xmlns:a14="http://schemas.microsoft.com/office/drawing/2010/main">
-                  <a:solidFill>
-                    <a:srgbClr val="FFFFFF"/>
-                  </a:solidFill>
-                </a14:hiddenFill>
-              </a:ext>
-            </a:extLst>
-          </p:spPr>
-        </p:sp>
-        <p:sp>
-          <p:nvSpPr>
-            <p:cNvPr id="22" name="Freeform 17">
-              <a:extLst>
-                <a:ext uri="{FF2B5EF4-FFF2-40B4-BE49-F238E27FC236}">
-                  <a16:creationId xmlns:a16="http://schemas.microsoft.com/office/drawing/2014/main" id="{0726DBEC-7825-41D2-8701-A9E2DDEB93BE}"/>
-                </a:ext>
-                <a:ext uri="{C183D7F6-B498-43B3-948B-1728B52AA6E4}">
-                  <adec:decorative xmlns:adec="http://schemas.microsoft.com/office/drawing/2017/decorative" val="1"/>
-                </a:ext>
-              </a:extLst>
-            </p:cNvPr>
-            <p:cNvSpPr/>
-            <p:nvPr>
-              <p:extLst>
-                <p:ext uri="{386F3935-93C4-4BCD-93E2-E3B085C9AB24}">
-                  <p16:designElem xmlns:p16="http://schemas.microsoft.com/office/powerpoint/2015/main" val="1"/>
-                </p:ext>
-              </p:extLst>
-            </p:nvPr>
-          </p:nvSpPr>
-          <p:spPr bwMode="auto">
-            <a:xfrm>
-              <a:off x="10979150" y="5694363"/>
-              <a:ext cx="1187450" cy="1149350"/>
-            </a:xfrm>
-            <a:custGeom>
-              <a:avLst/>
-              <a:gdLst/>
-              <a:ahLst/>
-              <a:cxnLst/>
-              <a:rect l="0" t="0" r="r" b="b"/>
-              <a:pathLst>
-                <a:path w="250" h="242">
-                  <a:moveTo>
-                    <a:pt x="0" y="242"/>
-                  </a:moveTo>
-                  <a:cubicBezTo>
-                    <a:pt x="88" y="166"/>
-                    <a:pt x="172" y="85"/>
-                    <a:pt x="250" y="0"/>
-                  </a:cubicBezTo>
-                </a:path>
-              </a:pathLst>
-            </a:custGeom>
-            <a:noFill/>
-            <a:ln w="9525" cap="flat">
-              <a:solidFill>
-                <a:schemeClr val="tx1">
-                  <a:alpha val="20000"/>
-                </a:schemeClr>
-              </a:solidFill>
-              <a:prstDash val="solid"/>
-              <a:miter lim="800000"/>
-              <a:headEnd/>
-              <a:tailEnd/>
-            </a:ln>
-            <a:extLst>
-              <a:ext uri="{909E8E84-426E-40DD-AFC4-6F175D3DCCD1}">
-                <a14:hiddenFill xmlns:a14="http://schemas.microsoft.com/office/drawing/2010/main">
-                  <a:solidFill>
-                    <a:srgbClr val="FFFFFF"/>
-                  </a:solidFill>
-                </a14:hiddenFill>
-              </a:ext>
-            </a:extLst>
-          </p:spPr>
-        </p:sp>
-        <p:sp>
-          <p:nvSpPr>
-            <p:cNvPr id="23" name="Freeform 18">
-              <a:extLst>
-                <a:ext uri="{FF2B5EF4-FFF2-40B4-BE49-F238E27FC236}">
-                  <a16:creationId xmlns:a16="http://schemas.microsoft.com/office/drawing/2014/main" id="{E74AC618-F7E3-45A0-B7C6-79CFFB64F6E1}"/>
-                </a:ext>
-                <a:ext uri="{C183D7F6-B498-43B3-948B-1728B52AA6E4}">
-                  <adec:decorative xmlns:adec="http://schemas.microsoft.com/office/drawing/2017/decorative" val="1"/>
-                </a:ext>
-              </a:extLst>
-            </p:cNvPr>
-            <p:cNvSpPr/>
-            <p:nvPr>
-              <p:extLst>
-                <p:ext uri="{386F3935-93C4-4BCD-93E2-E3B085C9AB24}">
-                  <p16:designElem xmlns:p16="http://schemas.microsoft.com/office/powerpoint/2015/main" val="1"/>
-                </p:ext>
-              </p:extLst>
-            </p:nvPr>
-          </p:nvSpPr>
-          <p:spPr bwMode="auto">
-            <a:xfrm>
-              <a:off x="484188" y="0"/>
-              <a:ext cx="3421063" cy="6843713"/>
-            </a:xfrm>
-            <a:custGeom>
-              <a:avLst/>
-              <a:gdLst/>
-              <a:ahLst/>
-              <a:cxnLst/>
-              <a:rect l="0" t="0" r="r" b="b"/>
-              <a:pathLst>
-                <a:path w="720" h="1440">
-                  <a:moveTo>
-                    <a:pt x="720" y="0"/>
-                  </a:moveTo>
-                  <a:cubicBezTo>
-                    <a:pt x="316" y="282"/>
-                    <a:pt x="0" y="1018"/>
-                    <a:pt x="362" y="1440"/>
-                  </a:cubicBezTo>
-                </a:path>
-              </a:pathLst>
-            </a:custGeom>
-            <a:noFill/>
-            <a:ln w="9525" cap="flat">
-              <a:solidFill>
-                <a:schemeClr val="tx1">
-                  <a:alpha val="20000"/>
-                </a:schemeClr>
-              </a:solidFill>
-              <a:prstDash val="solid"/>
-              <a:miter lim="800000"/>
-              <a:headEnd/>
-              <a:tailEnd/>
-            </a:ln>
-            <a:extLst>
-              <a:ext uri="{909E8E84-426E-40DD-AFC4-6F175D3DCCD1}">
-                <a14:hiddenFill xmlns:a14="http://schemas.microsoft.com/office/drawing/2010/main">
-                  <a:solidFill>
-                    <a:srgbClr val="FFFFFF"/>
-                  </a:solidFill>
-                </a14:hiddenFill>
-              </a:ext>
-            </a:extLst>
-          </p:spPr>
-        </p:sp>
-        <p:sp>
-          <p:nvSpPr>
-            <p:cNvPr id="24" name="Freeform 19">
-              <a:extLst>
-                <a:ext uri="{FF2B5EF4-FFF2-40B4-BE49-F238E27FC236}">
-                  <a16:creationId xmlns:a16="http://schemas.microsoft.com/office/drawing/2014/main" id="{A5D641F7-963C-4984-B678-20322C69E26B}"/>
-                </a:ext>
-                <a:ext uri="{C183D7F6-B498-43B3-948B-1728B52AA6E4}">
-                  <adec:decorative xmlns:adec="http://schemas.microsoft.com/office/drawing/2017/decorative" val="1"/>
-                </a:ext>
-              </a:extLst>
-            </p:cNvPr>
-            <p:cNvSpPr/>
-            <p:nvPr>
-              <p:extLst>
-                <p:ext uri="{386F3935-93C4-4BCD-93E2-E3B085C9AB24}">
-                  <p16:designElem xmlns:p16="http://schemas.microsoft.com/office/powerpoint/2015/main" val="1"/>
-                </p:ext>
-              </p:extLst>
-            </p:nvPr>
-          </p:nvSpPr>
-          <p:spPr bwMode="auto">
-            <a:xfrm>
-              <a:off x="11287125" y="6049963"/>
-              <a:ext cx="879475" cy="793750"/>
-            </a:xfrm>
-            <a:custGeom>
-              <a:avLst/>
-              <a:gdLst/>
-              <a:ahLst/>
-              <a:cxnLst/>
-              <a:rect l="0" t="0" r="r" b="b"/>
-              <a:pathLst>
-                <a:path w="185" h="167">
-                  <a:moveTo>
-                    <a:pt x="0" y="167"/>
-                  </a:moveTo>
-                  <a:cubicBezTo>
-                    <a:pt x="63" y="114"/>
-                    <a:pt x="125" y="58"/>
-                    <a:pt x="185" y="0"/>
-                  </a:cubicBezTo>
-                </a:path>
-              </a:pathLst>
-            </a:custGeom>
-            <a:noFill/>
-            <a:ln w="9525" cap="flat">
-              <a:solidFill>
-                <a:schemeClr val="tx1">
-                  <a:alpha val="20000"/>
-                </a:schemeClr>
-              </a:solidFill>
-              <a:prstDash val="solid"/>
-              <a:miter lim="800000"/>
-              <a:headEnd/>
-              <a:tailEnd/>
-            </a:ln>
-            <a:extLst>
-              <a:ext uri="{909E8E84-426E-40DD-AFC4-6F175D3DCCD1}">
-                <a14:hiddenFill xmlns:a14="http://schemas.microsoft.com/office/drawing/2010/main">
-                  <a:solidFill>
-                    <a:srgbClr val="FFFFFF"/>
-                  </a:solidFill>
-                </a14:hiddenFill>
-              </a:ext>
-            </a:extLst>
-          </p:spPr>
-        </p:sp>
-        <p:sp>
-          <p:nvSpPr>
-            <p:cNvPr id="25" name="Freeform 20">
-              <a:extLst>
-                <a:ext uri="{FF2B5EF4-FFF2-40B4-BE49-F238E27FC236}">
-                  <a16:creationId xmlns:a16="http://schemas.microsoft.com/office/drawing/2014/main" id="{EAEEF718-9FD4-413C-A98F-0D814E48FF81}"/>
-                </a:ext>
-                <a:ext uri="{C183D7F6-B498-43B3-948B-1728B52AA6E4}">
-                  <adec:decorative xmlns:adec="http://schemas.microsoft.com/office/drawing/2017/decorative" val="1"/>
-                </a:ext>
-              </a:extLst>
-            </p:cNvPr>
-            <p:cNvSpPr/>
-            <p:nvPr>
-              <p:extLst>
-                <p:ext uri="{386F3935-93C4-4BCD-93E2-E3B085C9AB24}">
-                  <p16:designElem xmlns:p16="http://schemas.microsoft.com/office/powerpoint/2015/main" val="1"/>
-                </p:ext>
-              </p:extLst>
-            </p:nvPr>
-          </p:nvSpPr>
-          <p:spPr bwMode="auto">
-            <a:xfrm>
-              <a:off x="598488" y="0"/>
-              <a:ext cx="2717800" cy="6843713"/>
-            </a:xfrm>
-            <a:custGeom>
-              <a:avLst/>
-              <a:gdLst/>
-              <a:ahLst/>
-              <a:cxnLst/>
-              <a:rect l="0" t="0" r="r" b="b"/>
-              <a:pathLst>
-                <a:path w="572" h="1440">
-                  <a:moveTo>
-                    <a:pt x="572" y="0"/>
-                  </a:moveTo>
-                  <a:cubicBezTo>
-                    <a:pt x="213" y="320"/>
-                    <a:pt x="0" y="979"/>
-                    <a:pt x="164" y="1440"/>
-                  </a:cubicBezTo>
-                </a:path>
-              </a:pathLst>
-            </a:custGeom>
-            <a:noFill/>
-            <a:ln w="12700" cap="flat">
-              <a:solidFill>
-                <a:schemeClr val="tx1">
-                  <a:alpha val="20000"/>
-                </a:schemeClr>
-              </a:solidFill>
-              <a:prstDash val="dashDot"/>
-              <a:miter lim="800000"/>
-              <a:headEnd/>
-              <a:tailEnd/>
-            </a:ln>
-            <a:extLst>
-              <a:ext uri="{909E8E84-426E-40DD-AFC4-6F175D3DCCD1}">
-                <a14:hiddenFill xmlns:a14="http://schemas.microsoft.com/office/drawing/2010/main">
-                  <a:solidFill>
-                    <a:srgbClr val="FFFFFF"/>
-                  </a:solidFill>
-                </a14:hiddenFill>
-              </a:ext>
-            </a:extLst>
-          </p:spPr>
-        </p:sp>
-        <p:sp>
-          <p:nvSpPr>
-            <p:cNvPr id="26" name="Freeform 21">
-              <a:extLst>
-                <a:ext uri="{FF2B5EF4-FFF2-40B4-BE49-F238E27FC236}">
-                  <a16:creationId xmlns:a16="http://schemas.microsoft.com/office/drawing/2014/main" id="{C1F071D7-9988-42D0-A890-A1BC276B334F}"/>
-                </a:ext>
-                <a:ext uri="{C183D7F6-B498-43B3-948B-1728B52AA6E4}">
-                  <adec:decorative xmlns:adec="http://schemas.microsoft.com/office/drawing/2017/decorative" val="1"/>
-                </a:ext>
-              </a:extLst>
-            </p:cNvPr>
-            <p:cNvSpPr/>
-            <p:nvPr>
-              <p:extLst>
-                <p:ext uri="{386F3935-93C4-4BCD-93E2-E3B085C9AB24}">
-                  <p16:designElem xmlns:p16="http://schemas.microsoft.com/office/powerpoint/2015/main" val="1"/>
-                </p:ext>
-              </p:extLst>
-            </p:nvPr>
-          </p:nvSpPr>
-          <p:spPr bwMode="auto">
-            <a:xfrm>
-              <a:off x="261938" y="0"/>
-              <a:ext cx="2944813" cy="6843713"/>
-            </a:xfrm>
-            <a:custGeom>
-              <a:avLst/>
-              <a:gdLst/>
-              <a:ahLst/>
-              <a:cxnLst/>
-              <a:rect l="0" t="0" r="r" b="b"/>
-              <a:pathLst>
-                <a:path w="620" h="1440">
-                  <a:moveTo>
-                    <a:pt x="620" y="0"/>
-                  </a:moveTo>
-                  <a:cubicBezTo>
-                    <a:pt x="248" y="325"/>
-                    <a:pt x="0" y="960"/>
-                    <a:pt x="186" y="1440"/>
-                  </a:cubicBezTo>
-                </a:path>
-              </a:pathLst>
-            </a:custGeom>
-            <a:noFill/>
-            <a:ln w="9525" cap="flat">
-              <a:solidFill>
-                <a:schemeClr val="tx1">
-                  <a:alpha val="20000"/>
-                </a:schemeClr>
-              </a:solidFill>
-              <a:prstDash val="lgDash"/>
-              <a:miter lim="800000"/>
-              <a:headEnd/>
-              <a:tailEnd/>
-            </a:ln>
-            <a:extLst>
-              <a:ext uri="{909E8E84-426E-40DD-AFC4-6F175D3DCCD1}">
-                <a14:hiddenFill xmlns:a14="http://schemas.microsoft.com/office/drawing/2010/main">
-                  <a:solidFill>
-                    <a:srgbClr val="FFFFFF"/>
-                  </a:solidFill>
-                </a14:hiddenFill>
-              </a:ext>
-            </a:extLst>
-          </p:spPr>
-        </p:sp>
-        <p:sp>
-          <p:nvSpPr>
-            <p:cNvPr id="27" name="Freeform 22">
-              <a:extLst>
-                <a:ext uri="{FF2B5EF4-FFF2-40B4-BE49-F238E27FC236}">
-                  <a16:creationId xmlns:a16="http://schemas.microsoft.com/office/drawing/2014/main" id="{27BC813F-1EE5-47B1-8AF1-74F59908C9E8}"/>
-                </a:ext>
-                <a:ext uri="{C183D7F6-B498-43B3-948B-1728B52AA6E4}">
-                  <adec:decorative xmlns:adec="http://schemas.microsoft.com/office/drawing/2017/decorative" val="1"/>
-                </a:ext>
-              </a:extLst>
-            </p:cNvPr>
-            <p:cNvSpPr/>
-            <p:nvPr>
-              <p:extLst>
-                <p:ext uri="{386F3935-93C4-4BCD-93E2-E3B085C9AB24}">
-                  <p16:designElem xmlns:p16="http://schemas.microsoft.com/office/powerpoint/2015/main" val="1"/>
-                </p:ext>
-              </p:extLst>
-            </p:nvPr>
-          </p:nvSpPr>
-          <p:spPr bwMode="auto">
-            <a:xfrm>
-              <a:off x="-417513" y="0"/>
-              <a:ext cx="2403475" cy="6843713"/>
-            </a:xfrm>
-            <a:custGeom>
-              <a:avLst/>
-              <a:gdLst/>
-              <a:ahLst/>
-              <a:cxnLst/>
-              <a:rect l="0" t="0" r="r" b="b"/>
-              <a:pathLst>
-                <a:path w="506" h="1440">
-                  <a:moveTo>
-                    <a:pt x="506" y="0"/>
-                  </a:moveTo>
-                  <a:cubicBezTo>
-                    <a:pt x="109" y="356"/>
-                    <a:pt x="0" y="943"/>
-                    <a:pt x="171" y="1440"/>
-                  </a:cubicBezTo>
-                </a:path>
-              </a:pathLst>
-            </a:custGeom>
-            <a:noFill/>
-            <a:ln w="9525" cap="flat">
-              <a:solidFill>
-                <a:schemeClr val="tx1">
-                  <a:alpha val="20000"/>
-                </a:schemeClr>
-              </a:solidFill>
-              <a:prstDash val="solid"/>
-              <a:miter lim="800000"/>
-              <a:headEnd/>
-              <a:tailEnd/>
-            </a:ln>
-            <a:extLst>
-              <a:ext uri="{909E8E84-426E-40DD-AFC4-6F175D3DCCD1}">
-                <a14:hiddenFill xmlns:a14="http://schemas.microsoft.com/office/drawing/2010/main">
-                  <a:solidFill>
-                    <a:srgbClr val="FFFFFF"/>
-                  </a:solidFill>
-                </a14:hiddenFill>
-              </a:ext>
-            </a:extLst>
-          </p:spPr>
-        </p:sp>
-        <p:sp>
-          <p:nvSpPr>
-            <p:cNvPr id="28" name="Freeform 23">
-              <a:extLst>
-                <a:ext uri="{FF2B5EF4-FFF2-40B4-BE49-F238E27FC236}">
-                  <a16:creationId xmlns:a16="http://schemas.microsoft.com/office/drawing/2014/main" id="{4771DC5B-F613-49AF-88B9-4713787B193F}"/>
-                </a:ext>
-                <a:ext uri="{C183D7F6-B498-43B3-948B-1728B52AA6E4}">
-                  <adec:decorative xmlns:adec="http://schemas.microsoft.com/office/drawing/2017/decorative" val="1"/>
-                </a:ext>
-              </a:extLst>
-            </p:cNvPr>
-            <p:cNvSpPr/>
-            <p:nvPr>
-              <p:extLst>
-                <p:ext uri="{386F3935-93C4-4BCD-93E2-E3B085C9AB24}">
-                  <p16:designElem xmlns:p16="http://schemas.microsoft.com/office/powerpoint/2015/main" val="1"/>
-                </p:ext>
-              </p:extLst>
-            </p:nvPr>
-          </p:nvSpPr>
-          <p:spPr bwMode="auto">
-            <a:xfrm>
-              <a:off x="14288" y="9525"/>
-              <a:ext cx="1771650" cy="3198813"/>
-            </a:xfrm>
-            <a:custGeom>
-              <a:avLst/>
-              <a:gdLst/>
-              <a:ahLst/>
-              <a:cxnLst/>
-              <a:rect l="0" t="0" r="r" b="b"/>
-              <a:pathLst>
-                <a:path w="373" h="673">
-                  <a:moveTo>
-                    <a:pt x="373" y="0"/>
-                  </a:moveTo>
-                  <a:cubicBezTo>
-                    <a:pt x="175" y="183"/>
-                    <a:pt x="51" y="409"/>
-                    <a:pt x="0" y="673"/>
-                  </a:cubicBezTo>
-                </a:path>
-              </a:pathLst>
-            </a:custGeom>
-            <a:noFill/>
-            <a:ln w="9525" cap="flat">
-              <a:solidFill>
-                <a:schemeClr val="tx1">
-                  <a:alpha val="20000"/>
-                </a:schemeClr>
-              </a:solidFill>
-              <a:prstDash val="solid"/>
-              <a:miter lim="800000"/>
-              <a:headEnd/>
-              <a:tailEnd/>
-            </a:ln>
-            <a:extLst>
-              <a:ext uri="{909E8E84-426E-40DD-AFC4-6F175D3DCCD1}">
-                <a14:hiddenFill xmlns:a14="http://schemas.microsoft.com/office/drawing/2010/main">
-                  <a:solidFill>
-                    <a:srgbClr val="FFFFFF"/>
-                  </a:solidFill>
-                </a14:hiddenFill>
-              </a:ext>
-            </a:extLst>
-          </p:spPr>
-        </p:sp>
-        <p:sp>
-          <p:nvSpPr>
-            <p:cNvPr id="29" name="Freeform 24">
-              <a:extLst>
-                <a:ext uri="{FF2B5EF4-FFF2-40B4-BE49-F238E27FC236}">
-                  <a16:creationId xmlns:a16="http://schemas.microsoft.com/office/drawing/2014/main" id="{2970388B-41A2-4AD6-84B7-21A29A3D982C}"/>
-                </a:ext>
-                <a:ext uri="{C183D7F6-B498-43B3-948B-1728B52AA6E4}">
-                  <adec:decorative xmlns:adec="http://schemas.microsoft.com/office/drawing/2017/decorative" val="1"/>
-                </a:ext>
-              </a:extLst>
-            </p:cNvPr>
-            <p:cNvSpPr/>
-            <p:nvPr>
-              <p:extLst>
-                <p:ext uri="{386F3935-93C4-4BCD-93E2-E3B085C9AB24}">
-                  <p16:designElem xmlns:p16="http://schemas.microsoft.com/office/powerpoint/2015/main" val="1"/>
-                </p:ext>
-              </p:extLst>
-            </p:nvPr>
-          </p:nvSpPr>
-          <p:spPr bwMode="auto">
-            <a:xfrm>
-              <a:off x="4763" y="6016625"/>
-              <a:ext cx="214313" cy="827088"/>
-            </a:xfrm>
-            <a:custGeom>
-              <a:avLst/>
-              <a:gdLst/>
-              <a:ahLst/>
-              <a:cxnLst/>
-              <a:rect l="0" t="0" r="r" b="b"/>
-              <a:pathLst>
-                <a:path w="45" h="174">
-                  <a:moveTo>
-                    <a:pt x="0" y="0"/>
-                  </a:moveTo>
-                  <a:cubicBezTo>
-                    <a:pt x="11" y="59"/>
-                    <a:pt x="26" y="118"/>
-                    <a:pt x="45" y="174"/>
-                  </a:cubicBezTo>
-                </a:path>
-              </a:pathLst>
-            </a:custGeom>
-            <a:noFill/>
-            <a:ln w="9525" cap="flat">
-              <a:solidFill>
-                <a:schemeClr val="tx1">
-                  <a:alpha val="20000"/>
-                </a:schemeClr>
-              </a:solidFill>
-              <a:prstDash val="solid"/>
-              <a:miter lim="800000"/>
-              <a:headEnd/>
-              <a:tailEnd/>
-            </a:ln>
-            <a:extLst>
-              <a:ext uri="{909E8E84-426E-40DD-AFC4-6F175D3DCCD1}">
-                <a14:hiddenFill xmlns:a14="http://schemas.microsoft.com/office/drawing/2010/main">
-                  <a:solidFill>
-                    <a:srgbClr val="FFFFFF"/>
-                  </a:solidFill>
-                </a14:hiddenFill>
-              </a:ext>
-            </a:extLst>
-          </p:spPr>
-        </p:sp>
-        <p:sp>
-          <p:nvSpPr>
-            <p:cNvPr id="30" name="Freeform 25">
-              <a:extLst>
-                <a:ext uri="{FF2B5EF4-FFF2-40B4-BE49-F238E27FC236}">
-                  <a16:creationId xmlns:a16="http://schemas.microsoft.com/office/drawing/2014/main" id="{9792A4B4-DC86-4D84-A6A5-40B2D8DD00FB}"/>
-                </a:ext>
-                <a:ext uri="{C183D7F6-B498-43B3-948B-1728B52AA6E4}">
-                  <adec:decorative xmlns:adec="http://schemas.microsoft.com/office/drawing/2017/decorative" val="1"/>
-                </a:ext>
-              </a:extLst>
-            </p:cNvPr>
-            <p:cNvSpPr/>
-            <p:nvPr>
-              <p:extLst>
-                <p:ext uri="{386F3935-93C4-4BCD-93E2-E3B085C9AB24}">
-                  <p16:designElem xmlns:p16="http://schemas.microsoft.com/office/powerpoint/2015/main" val="1"/>
-                </p:ext>
-              </p:extLst>
-            </p:nvPr>
-          </p:nvSpPr>
-          <p:spPr bwMode="auto">
-            <a:xfrm>
-              <a:off x="14288" y="0"/>
-              <a:ext cx="1562100" cy="2228850"/>
-            </a:xfrm>
-            <a:custGeom>
-              <a:avLst/>
-              <a:gdLst/>
-              <a:ahLst/>
-              <a:cxnLst/>
-              <a:rect l="0" t="0" r="r" b="b"/>
-              <a:pathLst>
-                <a:path w="329" h="469">
-                  <a:moveTo>
-                    <a:pt x="329" y="0"/>
-                  </a:moveTo>
-                  <a:cubicBezTo>
-                    <a:pt x="189" y="133"/>
-                    <a:pt x="69" y="288"/>
-                    <a:pt x="0" y="469"/>
-                  </a:cubicBezTo>
-                </a:path>
-              </a:pathLst>
-            </a:custGeom>
-            <a:noFill/>
-            <a:ln w="9525" cap="flat">
-              <a:solidFill>
-                <a:schemeClr val="tx1">
-                  <a:alpha val="20000"/>
-                </a:schemeClr>
-              </a:solidFill>
-              <a:prstDash val="solid"/>
-              <a:miter lim="800000"/>
-              <a:headEnd/>
-              <a:tailEnd/>
-            </a:ln>
-            <a:extLst>
-              <a:ext uri="{909E8E84-426E-40DD-AFC4-6F175D3DCCD1}">
-                <a14:hiddenFill xmlns:a14="http://schemas.microsoft.com/office/drawing/2010/main">
-                  <a:solidFill>
-                    <a:srgbClr val="FFFFFF"/>
-                  </a:solidFill>
-                </a14:hiddenFill>
-              </a:ext>
-            </a:extLst>
-          </p:spPr>
-        </p:sp>
-      </p:grpSp>
-      <p:grpSp>
-        <p:nvGrpSpPr>
-          <p:cNvPr id="32" name="Group 31">
-            <a:extLst>
-              <a:ext uri="{FF2B5EF4-FFF2-40B4-BE49-F238E27FC236}">
-                <a16:creationId xmlns:a16="http://schemas.microsoft.com/office/drawing/2014/main" id="{B239B0D4-65B5-4C6A-946F-02E06132427C}"/>
-              </a:ext>
-              <a:ext uri="{C183D7F6-B498-43B3-948B-1728B52AA6E4}">
-                <adec:decorative xmlns:adec="http://schemas.microsoft.com/office/drawing/2017/decorative" val="1"/>
-              </a:ext>
-            </a:extLst>
-          </p:cNvPr>
-          <p:cNvGrpSpPr>
-            <a:grpSpLocks noGrp="1" noUngrp="1" noRot="1" noChangeAspect="1" noMove="1" noResize="1"/>
-          </p:cNvGrpSpPr>
-          <p:nvPr>
-            <p:extLst>
-              <p:ext uri="{386F3935-93C4-4BCD-93E2-E3B085C9AB24}">
-                <p16:designElem xmlns:p16="http://schemas.microsoft.com/office/powerpoint/2015/main" val="1"/>
-              </p:ext>
-            </p:extLst>
-          </p:nvPr>
-        </p:nvGrpSpPr>
-        <p:grpSpPr>
-          <a:xfrm>
-            <a:off x="800144" y="1699589"/>
-            <a:ext cx="3674476" cy="3470421"/>
-            <a:chOff x="697883" y="1816768"/>
-            <a:chExt cx="3674476" cy="3470421"/>
-          </a:xfrm>
-        </p:grpSpPr>
-        <p:sp>
-          <p:nvSpPr>
-            <p:cNvPr id="33" name="Rectangle 32">
-              <a:extLst>
-                <a:ext uri="{FF2B5EF4-FFF2-40B4-BE49-F238E27FC236}">
-                  <a16:creationId xmlns:a16="http://schemas.microsoft.com/office/drawing/2014/main" id="{CC34B10E-8AF6-4F5B-AE67-602BB0FDF18B}"/>
-                </a:ext>
-                <a:ext uri="{C183D7F6-B498-43B3-948B-1728B52AA6E4}">
-                  <adec:decorative xmlns:adec="http://schemas.microsoft.com/office/drawing/2017/decorative" val="1"/>
-                </a:ext>
-              </a:extLst>
-            </p:cNvPr>
-            <p:cNvSpPr/>
-            <p:nvPr>
-              <p:extLst>
-                <p:ext uri="{386F3935-93C4-4BCD-93E2-E3B085C9AB24}">
-                  <p16:designElem xmlns:p16="http://schemas.microsoft.com/office/powerpoint/2015/main" val="1"/>
-                </p:ext>
-              </p:extLst>
-            </p:nvPr>
-          </p:nvSpPr>
-          <p:spPr>
-            <a:xfrm>
-              <a:off x="697883" y="1816768"/>
-              <a:ext cx="3674476" cy="502920"/>
-            </a:xfrm>
-            <a:prstGeom prst="rect">
-              <a:avLst/>
-            </a:prstGeom>
-            <a:solidFill>
-              <a:schemeClr val="accent1"/>
-            </a:solidFill>
-            <a:ln>
-              <a:noFill/>
-            </a:ln>
-          </p:spPr>
-          <p:style>
-            <a:lnRef idx="2">
-              <a:schemeClr val="accent1">
-                <a:shade val="50000"/>
-              </a:schemeClr>
-            </a:lnRef>
-            <a:fillRef idx="1">
-              <a:schemeClr val="accent1"/>
-            </a:fillRef>
-            <a:effectRef idx="0">
-              <a:schemeClr val="accent1"/>
-            </a:effectRef>
-            <a:fontRef idx="minor">
-              <a:schemeClr val="lt1"/>
-            </a:fontRef>
-          </p:style>
-        </p:sp>
-        <p:sp>
-          <p:nvSpPr>
-            <p:cNvPr id="34" name="Isosceles Triangle 22">
-              <a:extLst>
-                <a:ext uri="{FF2B5EF4-FFF2-40B4-BE49-F238E27FC236}">
-                  <a16:creationId xmlns:a16="http://schemas.microsoft.com/office/drawing/2014/main" id="{87D8F852-24F1-4713-A933-FECA2E8EA2C3}"/>
-                </a:ext>
-                <a:ext uri="{C183D7F6-B498-43B3-948B-1728B52AA6E4}">
-                  <adec:decorative xmlns:adec="http://schemas.microsoft.com/office/drawing/2017/decorative" val="1"/>
-                </a:ext>
-              </a:extLst>
-            </p:cNvPr>
-            <p:cNvSpPr/>
-            <p:nvPr>
-              <p:extLst>
-                <p:ext uri="{386F3935-93C4-4BCD-93E2-E3B085C9AB24}">
-                  <p16:designElem xmlns:p16="http://schemas.microsoft.com/office/powerpoint/2015/main" val="1"/>
-                </p:ext>
-              </p:extLst>
-            </p:nvPr>
-          </p:nvSpPr>
-          <p:spPr>
-            <a:xfrm rot="10800000">
-              <a:off x="2380224" y="5014786"/>
-              <a:ext cx="315988" cy="272403"/>
-            </a:xfrm>
-            <a:prstGeom prst="triangle">
-              <a:avLst/>
-            </a:prstGeom>
-            <a:solidFill>
-              <a:schemeClr val="accent1"/>
-            </a:solidFill>
-            <a:ln>
-              <a:noFill/>
-            </a:ln>
-          </p:spPr>
-          <p:style>
-            <a:lnRef idx="2">
-              <a:schemeClr val="accent1">
-                <a:shade val="50000"/>
-              </a:schemeClr>
-            </a:lnRef>
-            <a:fillRef idx="1">
-              <a:schemeClr val="accent1"/>
-            </a:fillRef>
-            <a:effectRef idx="0">
-              <a:schemeClr val="accent1"/>
-            </a:effectRef>
-            <a:fontRef idx="minor">
-              <a:schemeClr val="lt1"/>
-            </a:fontRef>
-          </p:style>
-        </p:sp>
-        <p:sp>
-          <p:nvSpPr>
-            <p:cNvPr id="35" name="Rectangle 34">
-              <a:extLst>
-                <a:ext uri="{FF2B5EF4-FFF2-40B4-BE49-F238E27FC236}">
-                  <a16:creationId xmlns:a16="http://schemas.microsoft.com/office/drawing/2014/main" id="{F1FB2BCD-BC78-4CA9-B753-0AC9AEE15316}"/>
-                </a:ext>
-                <a:ext uri="{C183D7F6-B498-43B3-948B-1728B52AA6E4}">
-                  <adec:decorative xmlns:adec="http://schemas.microsoft.com/office/drawing/2017/decorative" val="1"/>
-                </a:ext>
-              </a:extLst>
-            </p:cNvPr>
-            <p:cNvSpPr/>
-            <p:nvPr>
-              <p:extLst>
-                <p:ext uri="{386F3935-93C4-4BCD-93E2-E3B085C9AB24}">
-                  <p16:designElem xmlns:p16="http://schemas.microsoft.com/office/powerpoint/2015/main" val="1"/>
-                </p:ext>
-              </p:extLst>
-            </p:nvPr>
-          </p:nvSpPr>
-          <p:spPr>
-            <a:xfrm>
-              <a:off x="704075" y="2392840"/>
-              <a:ext cx="3668284" cy="2624327"/>
-            </a:xfrm>
-            <a:prstGeom prst="rect">
-              <a:avLst/>
-            </a:prstGeom>
-            <a:solidFill>
-              <a:schemeClr val="accent1"/>
-            </a:solidFill>
-            <a:ln>
-              <a:noFill/>
-            </a:ln>
-          </p:spPr>
-          <p:style>
-            <a:lnRef idx="2">
-              <a:schemeClr val="accent1">
-                <a:shade val="50000"/>
-              </a:schemeClr>
-            </a:lnRef>
-            <a:fillRef idx="1">
-              <a:schemeClr val="accent1"/>
-            </a:fillRef>
-            <a:effectRef idx="0">
-              <a:schemeClr val="accent1"/>
-            </a:effectRef>
-            <a:fontRef idx="minor">
-              <a:schemeClr val="lt1"/>
-            </a:fontRef>
-          </p:style>
-        </p:sp>
-      </p:grpSp>
-      <p:sp>
-        <p:nvSpPr>
-          <p:cNvPr id="37" name="Rectangle 36">
-            <a:extLst>
-              <a:ext uri="{FF2B5EF4-FFF2-40B4-BE49-F238E27FC236}">
-                <a16:creationId xmlns:a16="http://schemas.microsoft.com/office/drawing/2014/main" id="{E2366EBA-92FD-44AE-87A9-25E5135EB2C9}"/>
-              </a:ext>
-              <a:ext uri="{C183D7F6-B498-43B3-948B-1728B52AA6E4}">
-                <adec:decorative xmlns:adec="http://schemas.microsoft.com/office/drawing/2017/decorative" val="1"/>
-              </a:ext>
-            </a:extLst>
-          </p:cNvPr>
-          <p:cNvSpPr>
-            <a:spLocks noGrp="1" noRot="1" noChangeAspect="1" noMove="1" noResize="1" noEditPoints="1" noAdjustHandles="1" noChangeArrowheads="1" noChangeShapeType="1" noTextEdit="1"/>
-          </p:cNvSpPr>
-          <p:nvPr>
-            <p:extLst>
-              <p:ext uri="{386F3935-93C4-4BCD-93E2-E3B085C9AB24}">
-                <p16:designElem xmlns:p16="http://schemas.microsoft.com/office/powerpoint/2015/main" val="1"/>
-              </p:ext>
-            </p:extLst>
-          </p:nvPr>
-        </p:nvSpPr>
-        <p:spPr>
-          <a:xfrm>
-            <a:off x="0" y="-1"/>
-            <a:ext cx="12192000" cy="6869209"/>
-          </a:xfrm>
-          <a:prstGeom prst="rect">
-            <a:avLst/>
-          </a:prstGeom>
-          <a:ln>
-            <a:noFill/>
-          </a:ln>
-        </p:spPr>
-        <p:style>
-          <a:lnRef idx="2">
-            <a:schemeClr val="accent1">
-              <a:shade val="50000"/>
-            </a:schemeClr>
-          </a:lnRef>
-          <a:fillRef idx="1">
-            <a:schemeClr val="accent1"/>
-          </a:fillRef>
-          <a:effectRef idx="0">
-            <a:schemeClr val="accent1"/>
-          </a:effectRef>
-          <a:fontRef idx="minor">
-            <a:schemeClr val="lt1"/>
-          </a:fontRef>
-        </p:style>
-        <p:txBody>
-          <a:bodyPr rtlCol="0" anchor="ctr"/>
-          <a:lstStyle/>
-          <a:p>
-            <a:pPr algn="ctr"/>
-            <a:endParaRPr lang="en-US"/>
-          </a:p>
-        </p:txBody>
-      </p:sp>
-      <p:grpSp>
-        <p:nvGrpSpPr>
-          <p:cNvPr id="39" name="Group 38">
-            <a:extLst>
-              <a:ext uri="{FF2B5EF4-FFF2-40B4-BE49-F238E27FC236}">
-                <a16:creationId xmlns:a16="http://schemas.microsoft.com/office/drawing/2014/main" id="{B437F5FC-01F7-4EB4-81E7-C27D917E9554}"/>
-              </a:ext>
-              <a:ext uri="{C183D7F6-B498-43B3-948B-1728B52AA6E4}">
-                <adec:decorative xmlns:adec="http://schemas.microsoft.com/office/drawing/2017/decorative" val="1"/>
-              </a:ext>
-            </a:extLst>
-          </p:cNvPr>
-          <p:cNvGrpSpPr>
-            <a:grpSpLocks noGrp="1" noUngrp="1" noRot="1" noChangeAspect="1" noMove="1" noResize="1"/>
-          </p:cNvGrpSpPr>
-          <p:nvPr>
-            <p:extLst>
-              <p:ext uri="{386F3935-93C4-4BCD-93E2-E3B085C9AB24}">
-                <p16:designElem xmlns:p16="http://schemas.microsoft.com/office/powerpoint/2015/main" val="1"/>
-              </p:ext>
-            </p:extLst>
-          </p:nvPr>
-        </p:nvGrpSpPr>
-        <p:grpSpPr>
-          <a:xfrm>
-            <a:off x="-417513" y="0"/>
-            <a:ext cx="12584114" cy="6853238"/>
-            <a:chOff x="-417513" y="0"/>
-            <a:chExt cx="12584114" cy="6853238"/>
-          </a:xfrm>
-        </p:grpSpPr>
-        <p:sp>
-          <p:nvSpPr>
-            <p:cNvPr id="40" name="Freeform 5">
-              <a:extLst>
-                <a:ext uri="{FF2B5EF4-FFF2-40B4-BE49-F238E27FC236}">
-                  <a16:creationId xmlns:a16="http://schemas.microsoft.com/office/drawing/2014/main" id="{4B0CFF10-4805-4BFA-961B-1F60DAEB948A}"/>
-                </a:ext>
-                <a:ext uri="{C183D7F6-B498-43B3-948B-1728B52AA6E4}">
-                  <adec:decorative xmlns:adec="http://schemas.microsoft.com/office/drawing/2017/decorative" val="1"/>
-                </a:ext>
-              </a:extLst>
-            </p:cNvPr>
-            <p:cNvSpPr/>
-            <p:nvPr>
-              <p:extLst>
-                <p:ext uri="{386F3935-93C4-4BCD-93E2-E3B085C9AB24}">
-                  <p16:designElem xmlns:p16="http://schemas.microsoft.com/office/powerpoint/2015/main" val="1"/>
-                </p:ext>
-              </p:extLst>
-            </p:nvPr>
-          </p:nvSpPr>
-          <p:spPr bwMode="auto">
-            <a:xfrm>
-              <a:off x="1306513" y="0"/>
-              <a:ext cx="3862388" cy="6843713"/>
-            </a:xfrm>
-            <a:custGeom>
-              <a:avLst/>
-              <a:gdLst/>
-              <a:ahLst/>
-              <a:cxnLst/>
-              <a:rect l="0" t="0" r="r" b="b"/>
-              <a:pathLst>
-                <a:path w="813" h="1440">
-                  <a:moveTo>
-                    <a:pt x="813" y="0"/>
-                  </a:moveTo>
-                  <a:cubicBezTo>
-                    <a:pt x="331" y="221"/>
-                    <a:pt x="0" y="1039"/>
-                    <a:pt x="435" y="1440"/>
-                  </a:cubicBezTo>
-                </a:path>
-              </a:pathLst>
-            </a:custGeom>
-            <a:noFill/>
-            <a:ln w="9525" cap="flat">
-              <a:solidFill>
-                <a:schemeClr val="bg1">
-                  <a:alpha val="35000"/>
-                </a:schemeClr>
-              </a:solidFill>
-              <a:prstDash val="solid"/>
-              <a:miter lim="800000"/>
-              <a:headEnd/>
-              <a:tailEnd/>
-            </a:ln>
-            <a:extLst>
-              <a:ext uri="{909E8E84-426E-40DD-AFC4-6F175D3DCCD1}">
-                <a14:hiddenFill xmlns:a14="http://schemas.microsoft.com/office/drawing/2010/main">
-                  <a:solidFill>
-                    <a:srgbClr val="FFFFFF"/>
-                  </a:solidFill>
-                </a14:hiddenFill>
-              </a:ext>
-            </a:extLst>
-          </p:spPr>
-        </p:sp>
-        <p:sp>
-          <p:nvSpPr>
-            <p:cNvPr id="41" name="Freeform 6">
-              <a:extLst>
-                <a:ext uri="{FF2B5EF4-FFF2-40B4-BE49-F238E27FC236}">
-                  <a16:creationId xmlns:a16="http://schemas.microsoft.com/office/drawing/2014/main" id="{BE054536-C03E-4857-B4AE-D687A58F9A9F}"/>
-                </a:ext>
-                <a:ext uri="{C183D7F6-B498-43B3-948B-1728B52AA6E4}">
-                  <adec:decorative xmlns:adec="http://schemas.microsoft.com/office/drawing/2017/decorative" val="1"/>
-                </a:ext>
-              </a:extLst>
-            </p:cNvPr>
-            <p:cNvSpPr/>
-            <p:nvPr>
-              <p:extLst>
-                <p:ext uri="{386F3935-93C4-4BCD-93E2-E3B085C9AB24}">
-                  <p16:designElem xmlns:p16="http://schemas.microsoft.com/office/powerpoint/2015/main" val="1"/>
-                </p:ext>
-              </p:extLst>
-            </p:nvPr>
-          </p:nvSpPr>
-          <p:spPr bwMode="auto">
-            <a:xfrm>
-              <a:off x="10626725" y="9525"/>
-              <a:ext cx="1539875" cy="555625"/>
-            </a:xfrm>
-            <a:custGeom>
-              <a:avLst/>
-              <a:gdLst/>
-              <a:ahLst/>
-              <a:cxnLst/>
-              <a:rect l="0" t="0" r="r" b="b"/>
-              <a:pathLst>
-                <a:path w="324" h="117">
-                  <a:moveTo>
-                    <a:pt x="324" y="117"/>
-                  </a:moveTo>
-                  <a:cubicBezTo>
-                    <a:pt x="223" y="64"/>
-                    <a:pt x="107" y="28"/>
-                    <a:pt x="0" y="0"/>
-                  </a:cubicBezTo>
-                </a:path>
-              </a:pathLst>
-            </a:custGeom>
-            <a:noFill/>
-            <a:ln w="9525" cap="flat">
-              <a:solidFill>
-                <a:schemeClr val="bg1">
-                  <a:alpha val="35000"/>
-                </a:schemeClr>
-              </a:solidFill>
-              <a:prstDash val="solid"/>
-              <a:miter lim="800000"/>
-              <a:headEnd/>
-              <a:tailEnd/>
-            </a:ln>
-            <a:extLst>
-              <a:ext uri="{909E8E84-426E-40DD-AFC4-6F175D3DCCD1}">
-                <a14:hiddenFill xmlns:a14="http://schemas.microsoft.com/office/drawing/2010/main">
-                  <a:solidFill>
-                    <a:srgbClr val="FFFFFF"/>
-                  </a:solidFill>
-                </a14:hiddenFill>
-              </a:ext>
-            </a:extLst>
-          </p:spPr>
-        </p:sp>
-        <p:sp>
-          <p:nvSpPr>
-            <p:cNvPr id="42" name="Freeform 7">
-              <a:extLst>
-                <a:ext uri="{FF2B5EF4-FFF2-40B4-BE49-F238E27FC236}">
-                  <a16:creationId xmlns:a16="http://schemas.microsoft.com/office/drawing/2014/main" id="{FE33E51C-23D8-43F5-98C4-A2ED2C4C99C7}"/>
-                </a:ext>
-                <a:ext uri="{C183D7F6-B498-43B3-948B-1728B52AA6E4}">
-                  <adec:decorative xmlns:adec="http://schemas.microsoft.com/office/drawing/2017/decorative" val="1"/>
-                </a:ext>
-              </a:extLst>
-            </p:cNvPr>
-            <p:cNvSpPr/>
-            <p:nvPr>
-              <p:extLst>
-                <p:ext uri="{386F3935-93C4-4BCD-93E2-E3B085C9AB24}">
-                  <p16:designElem xmlns:p16="http://schemas.microsoft.com/office/powerpoint/2015/main" val="1"/>
-                </p:ext>
-              </p:extLst>
-            </p:nvPr>
-          </p:nvSpPr>
-          <p:spPr bwMode="auto">
-            <a:xfrm>
-              <a:off x="10247313" y="5013325"/>
-              <a:ext cx="1919288" cy="1830388"/>
-            </a:xfrm>
-            <a:custGeom>
-              <a:avLst/>
-              <a:gdLst/>
-              <a:ahLst/>
-              <a:cxnLst/>
-              <a:rect l="0" t="0" r="r" b="b"/>
-              <a:pathLst>
-                <a:path w="404" h="385">
-                  <a:moveTo>
-                    <a:pt x="0" y="385"/>
-                  </a:moveTo>
-                  <a:cubicBezTo>
-                    <a:pt x="146" y="272"/>
-                    <a:pt x="285" y="142"/>
-                    <a:pt x="404" y="0"/>
-                  </a:cubicBezTo>
-                </a:path>
-              </a:pathLst>
-            </a:custGeom>
-            <a:noFill/>
-            <a:ln w="9525" cap="flat">
-              <a:solidFill>
-                <a:schemeClr val="bg1">
-                  <a:alpha val="35000"/>
-                </a:schemeClr>
-              </a:solidFill>
-              <a:prstDash val="solid"/>
-              <a:miter lim="800000"/>
-              <a:headEnd/>
-              <a:tailEnd/>
-            </a:ln>
-            <a:extLst>
-              <a:ext uri="{909E8E84-426E-40DD-AFC4-6F175D3DCCD1}">
-                <a14:hiddenFill xmlns:a14="http://schemas.microsoft.com/office/drawing/2010/main">
-                  <a:solidFill>
-                    <a:srgbClr val="FFFFFF"/>
-                  </a:solidFill>
-                </a14:hiddenFill>
-              </a:ext>
-            </a:extLst>
-          </p:spPr>
-        </p:sp>
-        <p:sp>
-          <p:nvSpPr>
-            <p:cNvPr id="43" name="Freeform 8">
-              <a:extLst>
-                <a:ext uri="{FF2B5EF4-FFF2-40B4-BE49-F238E27FC236}">
-                  <a16:creationId xmlns:a16="http://schemas.microsoft.com/office/drawing/2014/main" id="{89E18891-DEB2-4CFD-A907-2868B2A91055}"/>
-                </a:ext>
-                <a:ext uri="{C183D7F6-B498-43B3-948B-1728B52AA6E4}">
-                  <adec:decorative xmlns:adec="http://schemas.microsoft.com/office/drawing/2017/decorative" val="1"/>
-                </a:ext>
-              </a:extLst>
-            </p:cNvPr>
-            <p:cNvSpPr/>
-            <p:nvPr>
-              <p:extLst>
-                <p:ext uri="{386F3935-93C4-4BCD-93E2-E3B085C9AB24}">
-                  <p16:designElem xmlns:p16="http://schemas.microsoft.com/office/powerpoint/2015/main" val="1"/>
-                </p:ext>
-              </p:extLst>
-            </p:nvPr>
-          </p:nvSpPr>
-          <p:spPr bwMode="auto">
-            <a:xfrm>
-              <a:off x="1120775" y="0"/>
-              <a:ext cx="3676650" cy="6843713"/>
-            </a:xfrm>
-            <a:custGeom>
-              <a:avLst/>
-              <a:gdLst/>
-              <a:ahLst/>
-              <a:cxnLst/>
-              <a:rect l="0" t="0" r="r" b="b"/>
-              <a:pathLst>
-                <a:path w="774" h="1440">
-                  <a:moveTo>
-                    <a:pt x="774" y="0"/>
-                  </a:moveTo>
-                  <a:cubicBezTo>
-                    <a:pt x="312" y="240"/>
-                    <a:pt x="0" y="1034"/>
-                    <a:pt x="411" y="1440"/>
-                  </a:cubicBezTo>
-                </a:path>
-              </a:pathLst>
-            </a:custGeom>
-            <a:noFill/>
-            <a:ln w="9525" cap="flat">
-              <a:solidFill>
-                <a:schemeClr val="bg1">
-                  <a:alpha val="35000"/>
-                </a:schemeClr>
-              </a:solidFill>
-              <a:prstDash val="dash"/>
-              <a:miter lim="800000"/>
-              <a:headEnd/>
-              <a:tailEnd/>
-            </a:ln>
-            <a:extLst>
-              <a:ext uri="{909E8E84-426E-40DD-AFC4-6F175D3DCCD1}">
-                <a14:hiddenFill xmlns:a14="http://schemas.microsoft.com/office/drawing/2010/main">
-                  <a:solidFill>
-                    <a:srgbClr val="FFFFFF"/>
-                  </a:solidFill>
-                </a14:hiddenFill>
-              </a:ext>
-            </a:extLst>
-          </p:spPr>
-        </p:sp>
-        <p:sp>
-          <p:nvSpPr>
-            <p:cNvPr id="44" name="Freeform 9">
-              <a:extLst>
-                <a:ext uri="{FF2B5EF4-FFF2-40B4-BE49-F238E27FC236}">
-                  <a16:creationId xmlns:a16="http://schemas.microsoft.com/office/drawing/2014/main" id="{0002C1BB-DB60-4314-A2FC-203E54D94C78}"/>
-                </a:ext>
-                <a:ext uri="{C183D7F6-B498-43B3-948B-1728B52AA6E4}">
-                  <adec:decorative xmlns:adec="http://schemas.microsoft.com/office/drawing/2017/decorative" val="1"/>
-                </a:ext>
-              </a:extLst>
-            </p:cNvPr>
-            <p:cNvSpPr/>
-            <p:nvPr>
-              <p:extLst>
-                <p:ext uri="{386F3935-93C4-4BCD-93E2-E3B085C9AB24}">
-                  <p16:designElem xmlns:p16="http://schemas.microsoft.com/office/powerpoint/2015/main" val="1"/>
-                </p:ext>
-              </p:extLst>
-            </p:nvPr>
-          </p:nvSpPr>
-          <p:spPr bwMode="auto">
-            <a:xfrm>
-              <a:off x="11202988" y="9525"/>
-              <a:ext cx="963613" cy="366713"/>
-            </a:xfrm>
-            <a:custGeom>
-              <a:avLst/>
-              <a:gdLst/>
-              <a:ahLst/>
-              <a:cxnLst/>
-              <a:rect l="0" t="0" r="r" b="b"/>
-              <a:pathLst>
-                <a:path w="203" h="77">
-                  <a:moveTo>
-                    <a:pt x="203" y="77"/>
-                  </a:moveTo>
-                  <a:cubicBezTo>
-                    <a:pt x="138" y="46"/>
-                    <a:pt x="68" y="21"/>
-                    <a:pt x="0" y="0"/>
-                  </a:cubicBezTo>
-                </a:path>
-              </a:pathLst>
-            </a:custGeom>
-            <a:noFill/>
-            <a:ln w="9525" cap="flat">
-              <a:solidFill>
-                <a:schemeClr val="bg1">
-                  <a:alpha val="35000"/>
-                </a:schemeClr>
-              </a:solidFill>
-              <a:prstDash val="dash"/>
-              <a:miter lim="800000"/>
-              <a:headEnd/>
-              <a:tailEnd/>
-            </a:ln>
-            <a:extLst>
-              <a:ext uri="{909E8E84-426E-40DD-AFC4-6F175D3DCCD1}">
-                <a14:hiddenFill xmlns:a14="http://schemas.microsoft.com/office/drawing/2010/main">
-                  <a:solidFill>
-                    <a:srgbClr val="FFFFFF"/>
-                  </a:solidFill>
-                </a14:hiddenFill>
-              </a:ext>
-            </a:extLst>
-          </p:spPr>
-        </p:sp>
-        <p:sp>
-          <p:nvSpPr>
-            <p:cNvPr id="45" name="Freeform 10">
-              <a:extLst>
-                <a:ext uri="{FF2B5EF4-FFF2-40B4-BE49-F238E27FC236}">
-                  <a16:creationId xmlns:a16="http://schemas.microsoft.com/office/drawing/2014/main" id="{9B75BDFA-6D78-4FB1-9F21-5280855C49F8}"/>
-                </a:ext>
-                <a:ext uri="{C183D7F6-B498-43B3-948B-1728B52AA6E4}">
-                  <adec:decorative xmlns:adec="http://schemas.microsoft.com/office/drawing/2017/decorative" val="1"/>
-                </a:ext>
-              </a:extLst>
-            </p:cNvPr>
-            <p:cNvSpPr/>
-            <p:nvPr>
-              <p:extLst>
-                <p:ext uri="{386F3935-93C4-4BCD-93E2-E3B085C9AB24}">
-                  <p16:designElem xmlns:p16="http://schemas.microsoft.com/office/powerpoint/2015/main" val="1"/>
-                </p:ext>
-              </p:extLst>
-            </p:nvPr>
-          </p:nvSpPr>
-          <p:spPr bwMode="auto">
-            <a:xfrm>
-              <a:off x="10494963" y="5275263"/>
-              <a:ext cx="1666875" cy="1577975"/>
-            </a:xfrm>
-            <a:custGeom>
-              <a:avLst/>
-              <a:gdLst/>
-              <a:ahLst/>
-              <a:cxnLst/>
-              <a:rect l="0" t="0" r="r" b="b"/>
-              <a:pathLst>
-                <a:path w="351" h="332">
-                  <a:moveTo>
-                    <a:pt x="0" y="332"/>
-                  </a:moveTo>
-                  <a:cubicBezTo>
-                    <a:pt x="125" y="232"/>
-                    <a:pt x="245" y="121"/>
-                    <a:pt x="351" y="0"/>
-                  </a:cubicBezTo>
-                </a:path>
-              </a:pathLst>
-            </a:custGeom>
-            <a:noFill/>
-            <a:ln w="9525" cap="flat">
-              <a:solidFill>
-                <a:schemeClr val="bg1">
-                  <a:alpha val="35000"/>
-                </a:schemeClr>
-              </a:solidFill>
-              <a:prstDash val="dash"/>
-              <a:miter lim="800000"/>
-              <a:headEnd/>
-              <a:tailEnd/>
-            </a:ln>
-            <a:extLst>
-              <a:ext uri="{909E8E84-426E-40DD-AFC4-6F175D3DCCD1}">
-                <a14:hiddenFill xmlns:a14="http://schemas.microsoft.com/office/drawing/2010/main">
-                  <a:solidFill>
-                    <a:srgbClr val="FFFFFF"/>
-                  </a:solidFill>
-                </a14:hiddenFill>
-              </a:ext>
-            </a:extLst>
-          </p:spPr>
-        </p:sp>
-        <p:sp>
-          <p:nvSpPr>
-            <p:cNvPr id="46" name="Freeform 11">
-              <a:extLst>
-                <a:ext uri="{FF2B5EF4-FFF2-40B4-BE49-F238E27FC236}">
-                  <a16:creationId xmlns:a16="http://schemas.microsoft.com/office/drawing/2014/main" id="{0B632D6B-A327-41AB-BBCF-9A03AD2AB738}"/>
-                </a:ext>
-                <a:ext uri="{C183D7F6-B498-43B3-948B-1728B52AA6E4}">
-                  <adec:decorative xmlns:adec="http://schemas.microsoft.com/office/drawing/2017/decorative" val="1"/>
-                </a:ext>
-              </a:extLst>
-            </p:cNvPr>
-            <p:cNvSpPr/>
-            <p:nvPr>
-              <p:extLst>
-                <p:ext uri="{386F3935-93C4-4BCD-93E2-E3B085C9AB24}">
-                  <p16:designElem xmlns:p16="http://schemas.microsoft.com/office/powerpoint/2015/main" val="1"/>
-                </p:ext>
-              </p:extLst>
-            </p:nvPr>
-          </p:nvSpPr>
-          <p:spPr bwMode="auto">
-            <a:xfrm>
-              <a:off x="1001713" y="0"/>
-              <a:ext cx="3621088" cy="6843713"/>
-            </a:xfrm>
-            <a:custGeom>
-              <a:avLst/>
-              <a:gdLst/>
-              <a:ahLst/>
-              <a:cxnLst/>
-              <a:rect l="0" t="0" r="r" b="b"/>
-              <a:pathLst>
-                <a:path w="762" h="1440">
-                  <a:moveTo>
-                    <a:pt x="762" y="0"/>
-                  </a:moveTo>
-                  <a:cubicBezTo>
-                    <a:pt x="308" y="245"/>
-                    <a:pt x="0" y="1033"/>
-                    <a:pt x="403" y="1440"/>
-                  </a:cubicBezTo>
-                </a:path>
-              </a:pathLst>
-            </a:custGeom>
-            <a:noFill/>
-            <a:ln w="9525" cap="flat">
-              <a:solidFill>
-                <a:schemeClr val="bg1">
-                  <a:alpha val="35000"/>
-                </a:schemeClr>
-              </a:solidFill>
-              <a:prstDash val="solid"/>
-              <a:miter lim="800000"/>
-              <a:headEnd/>
-              <a:tailEnd/>
-            </a:ln>
-            <a:extLst>
-              <a:ext uri="{909E8E84-426E-40DD-AFC4-6F175D3DCCD1}">
-                <a14:hiddenFill xmlns:a14="http://schemas.microsoft.com/office/drawing/2010/main">
-                  <a:solidFill>
-                    <a:srgbClr val="FFFFFF"/>
-                  </a:solidFill>
-                </a14:hiddenFill>
-              </a:ext>
-            </a:extLst>
-          </p:spPr>
-        </p:sp>
-        <p:sp>
-          <p:nvSpPr>
-            <p:cNvPr id="47" name="Freeform 12">
-              <a:extLst>
-                <a:ext uri="{FF2B5EF4-FFF2-40B4-BE49-F238E27FC236}">
-                  <a16:creationId xmlns:a16="http://schemas.microsoft.com/office/drawing/2014/main" id="{F514BBC5-1736-4813-BECB-5A6B6738E587}"/>
-                </a:ext>
-                <a:ext uri="{C183D7F6-B498-43B3-948B-1728B52AA6E4}">
-                  <adec:decorative xmlns:adec="http://schemas.microsoft.com/office/drawing/2017/decorative" val="1"/>
-                </a:ext>
-              </a:extLst>
-            </p:cNvPr>
-            <p:cNvSpPr/>
-            <p:nvPr>
-              <p:extLst>
-                <p:ext uri="{386F3935-93C4-4BCD-93E2-E3B085C9AB24}">
-                  <p16:designElem xmlns:p16="http://schemas.microsoft.com/office/powerpoint/2015/main" val="1"/>
-                </p:ext>
-              </p:extLst>
-            </p:nvPr>
-          </p:nvSpPr>
-          <p:spPr bwMode="auto">
-            <a:xfrm>
-              <a:off x="11501438" y="9525"/>
-              <a:ext cx="665163" cy="257175"/>
-            </a:xfrm>
-            <a:custGeom>
-              <a:avLst/>
-              <a:gdLst/>
-              <a:ahLst/>
-              <a:cxnLst/>
-              <a:rect l="0" t="0" r="r" b="b"/>
-              <a:pathLst>
-                <a:path w="140" h="54">
-                  <a:moveTo>
-                    <a:pt x="140" y="54"/>
-                  </a:moveTo>
-                  <a:cubicBezTo>
-                    <a:pt x="95" y="34"/>
-                    <a:pt x="48" y="16"/>
-                    <a:pt x="0" y="0"/>
-                  </a:cubicBezTo>
-                </a:path>
-              </a:pathLst>
-            </a:custGeom>
-            <a:noFill/>
-            <a:ln w="9525" cap="flat">
-              <a:solidFill>
-                <a:schemeClr val="bg1">
-                  <a:alpha val="35000"/>
-                </a:schemeClr>
-              </a:solidFill>
-              <a:prstDash val="solid"/>
-              <a:miter lim="800000"/>
-              <a:headEnd/>
-              <a:tailEnd/>
-            </a:ln>
-            <a:extLst>
-              <a:ext uri="{909E8E84-426E-40DD-AFC4-6F175D3DCCD1}">
-                <a14:hiddenFill xmlns:a14="http://schemas.microsoft.com/office/drawing/2010/main">
-                  <a:solidFill>
-                    <a:srgbClr val="FFFFFF"/>
-                  </a:solidFill>
-                </a14:hiddenFill>
-              </a:ext>
-            </a:extLst>
-          </p:spPr>
-        </p:sp>
-        <p:sp>
-          <p:nvSpPr>
-            <p:cNvPr id="48" name="Freeform 13">
-              <a:extLst>
-                <a:ext uri="{FF2B5EF4-FFF2-40B4-BE49-F238E27FC236}">
-                  <a16:creationId xmlns:a16="http://schemas.microsoft.com/office/drawing/2014/main" id="{94A2C868-7AEC-4209-BFA3-7185B11D330C}"/>
-                </a:ext>
-                <a:ext uri="{C183D7F6-B498-43B3-948B-1728B52AA6E4}">
-                  <adec:decorative xmlns:adec="http://schemas.microsoft.com/office/drawing/2017/decorative" val="1"/>
-                </a:ext>
-              </a:extLst>
-            </p:cNvPr>
-            <p:cNvSpPr/>
-            <p:nvPr>
-              <p:extLst>
-                <p:ext uri="{386F3935-93C4-4BCD-93E2-E3B085C9AB24}">
-                  <p16:designElem xmlns:p16="http://schemas.microsoft.com/office/powerpoint/2015/main" val="1"/>
-                </p:ext>
-              </p:extLst>
-            </p:nvPr>
-          </p:nvSpPr>
-          <p:spPr bwMode="auto">
-            <a:xfrm>
-              <a:off x="10641013" y="5408613"/>
-              <a:ext cx="1525588" cy="1435100"/>
-            </a:xfrm>
-            <a:custGeom>
-              <a:avLst/>
-              <a:gdLst/>
-              <a:ahLst/>
-              <a:cxnLst/>
-              <a:rect l="0" t="0" r="r" b="b"/>
-              <a:pathLst>
-                <a:path w="321" h="302">
-                  <a:moveTo>
-                    <a:pt x="0" y="302"/>
-                  </a:moveTo>
-                  <a:cubicBezTo>
-                    <a:pt x="114" y="210"/>
-                    <a:pt x="223" y="109"/>
-                    <a:pt x="321" y="0"/>
-                  </a:cubicBezTo>
-                </a:path>
-              </a:pathLst>
-            </a:custGeom>
-            <a:noFill/>
-            <a:ln w="9525" cap="flat">
-              <a:solidFill>
-                <a:schemeClr val="bg1">
-                  <a:alpha val="35000"/>
-                </a:schemeClr>
-              </a:solidFill>
-              <a:prstDash val="solid"/>
-              <a:miter lim="800000"/>
-              <a:headEnd/>
-              <a:tailEnd/>
-            </a:ln>
-            <a:extLst>
-              <a:ext uri="{909E8E84-426E-40DD-AFC4-6F175D3DCCD1}">
-                <a14:hiddenFill xmlns:a14="http://schemas.microsoft.com/office/drawing/2010/main">
-                  <a:solidFill>
-                    <a:srgbClr val="FFFFFF"/>
-                  </a:solidFill>
-                </a14:hiddenFill>
-              </a:ext>
-            </a:extLst>
-          </p:spPr>
-        </p:sp>
-        <p:sp>
-          <p:nvSpPr>
-            <p:cNvPr id="49" name="Freeform 14">
-              <a:extLst>
-                <a:ext uri="{FF2B5EF4-FFF2-40B4-BE49-F238E27FC236}">
-                  <a16:creationId xmlns:a16="http://schemas.microsoft.com/office/drawing/2014/main" id="{FF56CB70-2B25-4695-ADC8-6092D0D1129B}"/>
-                </a:ext>
-                <a:ext uri="{C183D7F6-B498-43B3-948B-1728B52AA6E4}">
-                  <adec:decorative xmlns:adec="http://schemas.microsoft.com/office/drawing/2017/decorative" val="1"/>
-                </a:ext>
-              </a:extLst>
-            </p:cNvPr>
-            <p:cNvSpPr/>
-            <p:nvPr>
-              <p:extLst>
-                <p:ext uri="{386F3935-93C4-4BCD-93E2-E3B085C9AB24}">
-                  <p16:designElem xmlns:p16="http://schemas.microsoft.com/office/powerpoint/2015/main" val="1"/>
-                </p:ext>
-              </p:extLst>
-            </p:nvPr>
-          </p:nvSpPr>
-          <p:spPr bwMode="auto">
-            <a:xfrm>
-              <a:off x="1001713" y="0"/>
-              <a:ext cx="3244850" cy="6843713"/>
-            </a:xfrm>
-            <a:custGeom>
-              <a:avLst/>
-              <a:gdLst/>
-              <a:ahLst/>
-              <a:cxnLst/>
-              <a:rect l="0" t="0" r="r" b="b"/>
-              <a:pathLst>
-                <a:path w="683" h="1440">
-                  <a:moveTo>
-                    <a:pt x="683" y="0"/>
-                  </a:moveTo>
-                  <a:cubicBezTo>
-                    <a:pt x="258" y="256"/>
-                    <a:pt x="0" y="1041"/>
-                    <a:pt x="355" y="1440"/>
-                  </a:cubicBezTo>
-                </a:path>
-              </a:pathLst>
-            </a:custGeom>
-            <a:noFill/>
-            <a:ln w="9525" cap="flat">
-              <a:solidFill>
-                <a:schemeClr val="bg1">
-                  <a:alpha val="35000"/>
-                </a:schemeClr>
-              </a:solidFill>
-              <a:prstDash val="solid"/>
-              <a:miter lim="800000"/>
-              <a:headEnd/>
-              <a:tailEnd/>
-            </a:ln>
-            <a:extLst>
-              <a:ext uri="{909E8E84-426E-40DD-AFC4-6F175D3DCCD1}">
-                <a14:hiddenFill xmlns:a14="http://schemas.microsoft.com/office/drawing/2010/main">
-                  <a:solidFill>
-                    <a:srgbClr val="FFFFFF"/>
-                  </a:solidFill>
-                </a14:hiddenFill>
-              </a:ext>
-            </a:extLst>
-          </p:spPr>
-        </p:sp>
-        <p:sp>
-          <p:nvSpPr>
-            <p:cNvPr id="50" name="Freeform 15">
-              <a:extLst>
-                <a:ext uri="{FF2B5EF4-FFF2-40B4-BE49-F238E27FC236}">
-                  <a16:creationId xmlns:a16="http://schemas.microsoft.com/office/drawing/2014/main" id="{BA411BEF-2182-4458-B9AF-1634B5C23168}"/>
-                </a:ext>
-                <a:ext uri="{C183D7F6-B498-43B3-948B-1728B52AA6E4}">
-                  <adec:decorative xmlns:adec="http://schemas.microsoft.com/office/drawing/2017/decorative" val="1"/>
-                </a:ext>
-              </a:extLst>
-            </p:cNvPr>
-            <p:cNvSpPr/>
-            <p:nvPr>
-              <p:extLst>
-                <p:ext uri="{386F3935-93C4-4BCD-93E2-E3B085C9AB24}">
-                  <p16:designElem xmlns:p16="http://schemas.microsoft.com/office/powerpoint/2015/main" val="1"/>
-                </p:ext>
-              </p:extLst>
-            </p:nvPr>
-          </p:nvSpPr>
-          <p:spPr bwMode="auto">
-            <a:xfrm>
-              <a:off x="10802938" y="5518150"/>
-              <a:ext cx="1363663" cy="1325563"/>
-            </a:xfrm>
-            <a:custGeom>
-              <a:avLst/>
-              <a:gdLst/>
-              <a:ahLst/>
-              <a:cxnLst/>
-              <a:rect l="0" t="0" r="r" b="b"/>
-              <a:pathLst>
-                <a:path w="287" h="279">
-                  <a:moveTo>
-                    <a:pt x="0" y="279"/>
-                  </a:moveTo>
-                  <a:cubicBezTo>
-                    <a:pt x="101" y="193"/>
-                    <a:pt x="198" y="100"/>
-                    <a:pt x="287" y="0"/>
-                  </a:cubicBezTo>
-                </a:path>
-              </a:pathLst>
-            </a:custGeom>
-            <a:noFill/>
-            <a:ln w="9525" cap="flat">
-              <a:solidFill>
-                <a:schemeClr val="bg1">
-                  <a:alpha val="35000"/>
-                </a:schemeClr>
-              </a:solidFill>
-              <a:prstDash val="solid"/>
-              <a:miter lim="800000"/>
-              <a:headEnd/>
-              <a:tailEnd/>
-            </a:ln>
-            <a:extLst>
-              <a:ext uri="{909E8E84-426E-40DD-AFC4-6F175D3DCCD1}">
-                <a14:hiddenFill xmlns:a14="http://schemas.microsoft.com/office/drawing/2010/main">
-                  <a:solidFill>
-                    <a:srgbClr val="FFFFFF"/>
-                  </a:solidFill>
-                </a14:hiddenFill>
-              </a:ext>
-            </a:extLst>
-          </p:spPr>
-        </p:sp>
-        <p:sp>
-          <p:nvSpPr>
-            <p:cNvPr id="51" name="Freeform 16">
-              <a:extLst>
-                <a:ext uri="{FF2B5EF4-FFF2-40B4-BE49-F238E27FC236}">
-                  <a16:creationId xmlns:a16="http://schemas.microsoft.com/office/drawing/2014/main" id="{53F27E63-3F11-4C85-AC72-1EE8508C4C42}"/>
-                </a:ext>
-                <a:ext uri="{C183D7F6-B498-43B3-948B-1728B52AA6E4}">
-                  <adec:decorative xmlns:adec="http://schemas.microsoft.com/office/drawing/2017/decorative" val="1"/>
-                </a:ext>
-              </a:extLst>
-            </p:cNvPr>
-            <p:cNvSpPr/>
-            <p:nvPr>
-              <p:extLst>
-                <p:ext uri="{386F3935-93C4-4BCD-93E2-E3B085C9AB24}">
-                  <p16:designElem xmlns:p16="http://schemas.microsoft.com/office/powerpoint/2015/main" val="1"/>
-                </p:ext>
-              </p:extLst>
-            </p:nvPr>
-          </p:nvSpPr>
-          <p:spPr bwMode="auto">
-            <a:xfrm>
-              <a:off x="889000" y="0"/>
-              <a:ext cx="3230563" cy="6843713"/>
-            </a:xfrm>
-            <a:custGeom>
-              <a:avLst/>
-              <a:gdLst/>
-              <a:ahLst/>
-              <a:cxnLst/>
-              <a:rect l="0" t="0" r="r" b="b"/>
-              <a:pathLst>
-                <a:path w="680" h="1440">
-                  <a:moveTo>
-                    <a:pt x="680" y="0"/>
-                  </a:moveTo>
-                  <a:cubicBezTo>
-                    <a:pt x="257" y="265"/>
-                    <a:pt x="0" y="1026"/>
-                    <a:pt x="337" y="1440"/>
-                  </a:cubicBezTo>
-                </a:path>
-              </a:pathLst>
-            </a:custGeom>
-            <a:noFill/>
-            <a:ln w="9525" cap="flat">
-              <a:solidFill>
-                <a:schemeClr val="bg1">
-                  <a:alpha val="35000"/>
-                </a:schemeClr>
-              </a:solidFill>
-              <a:prstDash val="solid"/>
-              <a:miter lim="800000"/>
-              <a:headEnd/>
-              <a:tailEnd/>
-            </a:ln>
-            <a:extLst>
-              <a:ext uri="{909E8E84-426E-40DD-AFC4-6F175D3DCCD1}">
-                <a14:hiddenFill xmlns:a14="http://schemas.microsoft.com/office/drawing/2010/main">
-                  <a:solidFill>
-                    <a:srgbClr val="FFFFFF"/>
-                  </a:solidFill>
-                </a14:hiddenFill>
-              </a:ext>
-            </a:extLst>
-          </p:spPr>
-        </p:sp>
-        <p:sp>
-          <p:nvSpPr>
-            <p:cNvPr id="52" name="Freeform 17">
-              <a:extLst>
-                <a:ext uri="{FF2B5EF4-FFF2-40B4-BE49-F238E27FC236}">
-                  <a16:creationId xmlns:a16="http://schemas.microsoft.com/office/drawing/2014/main" id="{68B589BA-F70F-4E0B-94B9-EEB83EDF3F2F}"/>
-                </a:ext>
-                <a:ext uri="{C183D7F6-B498-43B3-948B-1728B52AA6E4}">
-                  <adec:decorative xmlns:adec="http://schemas.microsoft.com/office/drawing/2017/decorative" val="1"/>
-                </a:ext>
-              </a:extLst>
-            </p:cNvPr>
-            <p:cNvSpPr/>
-            <p:nvPr>
-              <p:extLst>
-                <p:ext uri="{386F3935-93C4-4BCD-93E2-E3B085C9AB24}">
-                  <p16:designElem xmlns:p16="http://schemas.microsoft.com/office/powerpoint/2015/main" val="1"/>
-                </p:ext>
-              </p:extLst>
-            </p:nvPr>
-          </p:nvSpPr>
-          <p:spPr bwMode="auto">
-            <a:xfrm>
-              <a:off x="10979150" y="5694363"/>
-              <a:ext cx="1187450" cy="1149350"/>
-            </a:xfrm>
-            <a:custGeom>
-              <a:avLst/>
-              <a:gdLst/>
-              <a:ahLst/>
-              <a:cxnLst/>
-              <a:rect l="0" t="0" r="r" b="b"/>
-              <a:pathLst>
-                <a:path w="250" h="242">
-                  <a:moveTo>
-                    <a:pt x="0" y="242"/>
-                  </a:moveTo>
-                  <a:cubicBezTo>
-                    <a:pt x="88" y="166"/>
-                    <a:pt x="172" y="85"/>
-                    <a:pt x="250" y="0"/>
-                  </a:cubicBezTo>
-                </a:path>
-              </a:pathLst>
-            </a:custGeom>
-            <a:noFill/>
-            <a:ln w="9525" cap="flat">
-              <a:solidFill>
-                <a:schemeClr val="bg1">
-                  <a:alpha val="35000"/>
-                </a:schemeClr>
-              </a:solidFill>
-              <a:prstDash val="solid"/>
-              <a:miter lim="800000"/>
-              <a:headEnd/>
-              <a:tailEnd/>
-            </a:ln>
-            <a:extLst>
-              <a:ext uri="{909E8E84-426E-40DD-AFC4-6F175D3DCCD1}">
-                <a14:hiddenFill xmlns:a14="http://schemas.microsoft.com/office/drawing/2010/main">
-                  <a:solidFill>
-                    <a:srgbClr val="FFFFFF"/>
-                  </a:solidFill>
-                </a14:hiddenFill>
-              </a:ext>
-            </a:extLst>
-          </p:spPr>
-        </p:sp>
-        <p:sp>
-          <p:nvSpPr>
-            <p:cNvPr id="53" name="Freeform 18">
-              <a:extLst>
-                <a:ext uri="{FF2B5EF4-FFF2-40B4-BE49-F238E27FC236}">
-                  <a16:creationId xmlns:a16="http://schemas.microsoft.com/office/drawing/2014/main" id="{9D0B991D-CB0A-415F-8D77-A5565F66F0EA}"/>
-                </a:ext>
-                <a:ext uri="{C183D7F6-B498-43B3-948B-1728B52AA6E4}">
-                  <adec:decorative xmlns:adec="http://schemas.microsoft.com/office/drawing/2017/decorative" val="1"/>
-                </a:ext>
-              </a:extLst>
-            </p:cNvPr>
-            <p:cNvSpPr/>
-            <p:nvPr>
-              <p:extLst>
-                <p:ext uri="{386F3935-93C4-4BCD-93E2-E3B085C9AB24}">
-                  <p16:designElem xmlns:p16="http://schemas.microsoft.com/office/powerpoint/2015/main" val="1"/>
-                </p:ext>
-              </p:extLst>
-            </p:nvPr>
-          </p:nvSpPr>
-          <p:spPr bwMode="auto">
-            <a:xfrm>
-              <a:off x="484188" y="0"/>
-              <a:ext cx="3421063" cy="6843713"/>
-            </a:xfrm>
-            <a:custGeom>
-              <a:avLst/>
-              <a:gdLst/>
-              <a:ahLst/>
-              <a:cxnLst/>
-              <a:rect l="0" t="0" r="r" b="b"/>
-              <a:pathLst>
-                <a:path w="720" h="1440">
-                  <a:moveTo>
-                    <a:pt x="720" y="0"/>
-                  </a:moveTo>
-                  <a:cubicBezTo>
-                    <a:pt x="316" y="282"/>
-                    <a:pt x="0" y="1018"/>
-                    <a:pt x="362" y="1440"/>
-                  </a:cubicBezTo>
-                </a:path>
-              </a:pathLst>
-            </a:custGeom>
-            <a:noFill/>
-            <a:ln w="9525" cap="flat">
-              <a:solidFill>
-                <a:schemeClr val="bg1">
-                  <a:alpha val="35000"/>
-                </a:schemeClr>
-              </a:solidFill>
-              <a:prstDash val="solid"/>
-              <a:miter lim="800000"/>
-              <a:headEnd/>
-              <a:tailEnd/>
-            </a:ln>
-            <a:extLst>
-              <a:ext uri="{909E8E84-426E-40DD-AFC4-6F175D3DCCD1}">
-                <a14:hiddenFill xmlns:a14="http://schemas.microsoft.com/office/drawing/2010/main">
-                  <a:solidFill>
-                    <a:srgbClr val="FFFFFF"/>
-                  </a:solidFill>
-                </a14:hiddenFill>
-              </a:ext>
-            </a:extLst>
-          </p:spPr>
-        </p:sp>
-        <p:sp>
-          <p:nvSpPr>
-            <p:cNvPr id="54" name="Freeform 19">
-              <a:extLst>
-                <a:ext uri="{FF2B5EF4-FFF2-40B4-BE49-F238E27FC236}">
-                  <a16:creationId xmlns:a16="http://schemas.microsoft.com/office/drawing/2014/main" id="{701E99DE-74F0-41D1-BBF4-5A57053BB6C0}"/>
-                </a:ext>
-                <a:ext uri="{C183D7F6-B498-43B3-948B-1728B52AA6E4}">
-                  <adec:decorative xmlns:adec="http://schemas.microsoft.com/office/drawing/2017/decorative" val="1"/>
-                </a:ext>
-              </a:extLst>
-            </p:cNvPr>
-            <p:cNvSpPr/>
-            <p:nvPr>
-              <p:extLst>
-                <p:ext uri="{386F3935-93C4-4BCD-93E2-E3B085C9AB24}">
-                  <p16:designElem xmlns:p16="http://schemas.microsoft.com/office/powerpoint/2015/main" val="1"/>
-                </p:ext>
-              </p:extLst>
-            </p:nvPr>
-          </p:nvSpPr>
-          <p:spPr bwMode="auto">
-            <a:xfrm>
-              <a:off x="11287125" y="6049963"/>
-              <a:ext cx="879475" cy="793750"/>
-            </a:xfrm>
-            <a:custGeom>
-              <a:avLst/>
-              <a:gdLst/>
-              <a:ahLst/>
-              <a:cxnLst/>
-              <a:rect l="0" t="0" r="r" b="b"/>
-              <a:pathLst>
-                <a:path w="185" h="167">
-                  <a:moveTo>
-                    <a:pt x="0" y="167"/>
-                  </a:moveTo>
-                  <a:cubicBezTo>
-                    <a:pt x="63" y="114"/>
-                    <a:pt x="125" y="58"/>
-                    <a:pt x="185" y="0"/>
-                  </a:cubicBezTo>
-                </a:path>
-              </a:pathLst>
-            </a:custGeom>
-            <a:noFill/>
-            <a:ln w="9525" cap="flat">
-              <a:solidFill>
-                <a:schemeClr val="bg1">
-                  <a:alpha val="35000"/>
-                </a:schemeClr>
-              </a:solidFill>
-              <a:prstDash val="solid"/>
-              <a:miter lim="800000"/>
-              <a:headEnd/>
-              <a:tailEnd/>
-            </a:ln>
-            <a:extLst>
-              <a:ext uri="{909E8E84-426E-40DD-AFC4-6F175D3DCCD1}">
-                <a14:hiddenFill xmlns:a14="http://schemas.microsoft.com/office/drawing/2010/main">
-                  <a:solidFill>
-                    <a:srgbClr val="FFFFFF"/>
-                  </a:solidFill>
-                </a14:hiddenFill>
-              </a:ext>
-            </a:extLst>
-          </p:spPr>
-        </p:sp>
-        <p:sp>
-          <p:nvSpPr>
-            <p:cNvPr id="55" name="Freeform 20">
-              <a:extLst>
-                <a:ext uri="{FF2B5EF4-FFF2-40B4-BE49-F238E27FC236}">
-                  <a16:creationId xmlns:a16="http://schemas.microsoft.com/office/drawing/2014/main" id="{C02EE40A-8F17-4182-9495-9506463B794E}"/>
-                </a:ext>
-                <a:ext uri="{C183D7F6-B498-43B3-948B-1728B52AA6E4}">
-                  <adec:decorative xmlns:adec="http://schemas.microsoft.com/office/drawing/2017/decorative" val="1"/>
-                </a:ext>
-              </a:extLst>
-            </p:cNvPr>
-            <p:cNvSpPr/>
-            <p:nvPr>
-              <p:extLst>
-                <p:ext uri="{386F3935-93C4-4BCD-93E2-E3B085C9AB24}">
-                  <p16:designElem xmlns:p16="http://schemas.microsoft.com/office/powerpoint/2015/main" val="1"/>
-                </p:ext>
-              </p:extLst>
-            </p:nvPr>
-          </p:nvSpPr>
-          <p:spPr bwMode="auto">
-            <a:xfrm>
-              <a:off x="598488" y="0"/>
-              <a:ext cx="2717800" cy="6843713"/>
-            </a:xfrm>
-            <a:custGeom>
-              <a:avLst/>
-              <a:gdLst/>
-              <a:ahLst/>
-              <a:cxnLst/>
-              <a:rect l="0" t="0" r="r" b="b"/>
-              <a:pathLst>
-                <a:path w="572" h="1440">
-                  <a:moveTo>
-                    <a:pt x="572" y="0"/>
-                  </a:moveTo>
-                  <a:cubicBezTo>
-                    <a:pt x="213" y="320"/>
-                    <a:pt x="0" y="979"/>
-                    <a:pt x="164" y="1440"/>
-                  </a:cubicBezTo>
-                </a:path>
-              </a:pathLst>
-            </a:custGeom>
-            <a:noFill/>
-            <a:ln w="12700" cap="flat">
-              <a:solidFill>
-                <a:schemeClr val="bg1">
-                  <a:alpha val="35000"/>
-                </a:schemeClr>
-              </a:solidFill>
-              <a:prstDash val="dashDot"/>
-              <a:miter lim="800000"/>
-              <a:headEnd/>
-              <a:tailEnd/>
-            </a:ln>
-            <a:extLst>
-              <a:ext uri="{909E8E84-426E-40DD-AFC4-6F175D3DCCD1}">
-                <a14:hiddenFill xmlns:a14="http://schemas.microsoft.com/office/drawing/2010/main">
-                  <a:solidFill>
-                    <a:srgbClr val="FFFFFF"/>
-                  </a:solidFill>
-                </a14:hiddenFill>
-              </a:ext>
-            </a:extLst>
-          </p:spPr>
-        </p:sp>
-        <p:sp>
-          <p:nvSpPr>
-            <p:cNvPr id="56" name="Freeform 21">
-              <a:extLst>
-                <a:ext uri="{FF2B5EF4-FFF2-40B4-BE49-F238E27FC236}">
-                  <a16:creationId xmlns:a16="http://schemas.microsoft.com/office/drawing/2014/main" id="{924210CA-0A35-4127-925F-D4084B7DC394}"/>
-                </a:ext>
-                <a:ext uri="{C183D7F6-B498-43B3-948B-1728B52AA6E4}">
-                  <adec:decorative xmlns:adec="http://schemas.microsoft.com/office/drawing/2017/decorative" val="1"/>
-                </a:ext>
-              </a:extLst>
-            </p:cNvPr>
-            <p:cNvSpPr/>
-            <p:nvPr>
-              <p:extLst>
-                <p:ext uri="{386F3935-93C4-4BCD-93E2-E3B085C9AB24}">
-                  <p16:designElem xmlns:p16="http://schemas.microsoft.com/office/powerpoint/2015/main" val="1"/>
-                </p:ext>
-              </p:extLst>
-            </p:nvPr>
-          </p:nvSpPr>
-          <p:spPr bwMode="auto">
-            <a:xfrm>
-              <a:off x="261938" y="0"/>
-              <a:ext cx="2944813" cy="6843713"/>
-            </a:xfrm>
-            <a:custGeom>
-              <a:avLst/>
-              <a:gdLst/>
-              <a:ahLst/>
-              <a:cxnLst/>
-              <a:rect l="0" t="0" r="r" b="b"/>
-              <a:pathLst>
-                <a:path w="620" h="1440">
-                  <a:moveTo>
-                    <a:pt x="620" y="0"/>
-                  </a:moveTo>
-                  <a:cubicBezTo>
-                    <a:pt x="248" y="325"/>
-                    <a:pt x="0" y="960"/>
-                    <a:pt x="186" y="1440"/>
-                  </a:cubicBezTo>
-                </a:path>
-              </a:pathLst>
-            </a:custGeom>
-            <a:noFill/>
-            <a:ln w="9525" cap="flat">
-              <a:solidFill>
-                <a:schemeClr val="bg1">
-                  <a:alpha val="35000"/>
-                </a:schemeClr>
-              </a:solidFill>
-              <a:prstDash val="lgDash"/>
-              <a:miter lim="800000"/>
-              <a:headEnd/>
-              <a:tailEnd/>
-            </a:ln>
-            <a:extLst>
-              <a:ext uri="{909E8E84-426E-40DD-AFC4-6F175D3DCCD1}">
-                <a14:hiddenFill xmlns:a14="http://schemas.microsoft.com/office/drawing/2010/main">
-                  <a:solidFill>
-                    <a:srgbClr val="FFFFFF"/>
-                  </a:solidFill>
-                </a14:hiddenFill>
-              </a:ext>
-            </a:extLst>
-          </p:spPr>
-        </p:sp>
-        <p:sp>
-          <p:nvSpPr>
-            <p:cNvPr id="57" name="Freeform 22">
-              <a:extLst>
-                <a:ext uri="{FF2B5EF4-FFF2-40B4-BE49-F238E27FC236}">
-                  <a16:creationId xmlns:a16="http://schemas.microsoft.com/office/drawing/2014/main" id="{DC13CEF1-DD2D-474C-B81C-820CEF3D9C3A}"/>
-                </a:ext>
-                <a:ext uri="{C183D7F6-B498-43B3-948B-1728B52AA6E4}">
-                  <adec:decorative xmlns:adec="http://schemas.microsoft.com/office/drawing/2017/decorative" val="1"/>
-                </a:ext>
-              </a:extLst>
-            </p:cNvPr>
-            <p:cNvSpPr/>
-            <p:nvPr>
-              <p:extLst>
-                <p:ext uri="{386F3935-93C4-4BCD-93E2-E3B085C9AB24}">
-                  <p16:designElem xmlns:p16="http://schemas.microsoft.com/office/powerpoint/2015/main" val="1"/>
-                </p:ext>
-              </p:extLst>
-            </p:nvPr>
-          </p:nvSpPr>
-          <p:spPr bwMode="auto">
-            <a:xfrm>
-              <a:off x="-417513" y="0"/>
-              <a:ext cx="2403475" cy="6843713"/>
-            </a:xfrm>
-            <a:custGeom>
-              <a:avLst/>
-              <a:gdLst/>
-              <a:ahLst/>
-              <a:cxnLst/>
-              <a:rect l="0" t="0" r="r" b="b"/>
-              <a:pathLst>
-                <a:path w="506" h="1440">
-                  <a:moveTo>
-                    <a:pt x="506" y="0"/>
-                  </a:moveTo>
-                  <a:cubicBezTo>
-                    <a:pt x="109" y="356"/>
-                    <a:pt x="0" y="943"/>
-                    <a:pt x="171" y="1440"/>
-                  </a:cubicBezTo>
-                </a:path>
-              </a:pathLst>
-            </a:custGeom>
-            <a:noFill/>
-            <a:ln w="9525" cap="flat">
-              <a:solidFill>
-                <a:schemeClr val="bg1">
-                  <a:alpha val="35000"/>
-                </a:schemeClr>
-              </a:solidFill>
-              <a:prstDash val="solid"/>
-              <a:miter lim="800000"/>
-              <a:headEnd/>
-              <a:tailEnd/>
-            </a:ln>
-            <a:extLst>
-              <a:ext uri="{909E8E84-426E-40DD-AFC4-6F175D3DCCD1}">
-                <a14:hiddenFill xmlns:a14="http://schemas.microsoft.com/office/drawing/2010/main">
-                  <a:solidFill>
-                    <a:srgbClr val="FFFFFF"/>
-                  </a:solidFill>
-                </a14:hiddenFill>
-              </a:ext>
-            </a:extLst>
-          </p:spPr>
-        </p:sp>
-        <p:sp>
-          <p:nvSpPr>
-            <p:cNvPr id="58" name="Freeform 23">
-              <a:extLst>
-                <a:ext uri="{FF2B5EF4-FFF2-40B4-BE49-F238E27FC236}">
-                  <a16:creationId xmlns:a16="http://schemas.microsoft.com/office/drawing/2014/main" id="{F889481A-8038-43E6-8EF1-A5F802CEDF15}"/>
-                </a:ext>
-                <a:ext uri="{C183D7F6-B498-43B3-948B-1728B52AA6E4}">
-                  <adec:decorative xmlns:adec="http://schemas.microsoft.com/office/drawing/2017/decorative" val="1"/>
-                </a:ext>
-              </a:extLst>
-            </p:cNvPr>
-            <p:cNvSpPr/>
-            <p:nvPr>
-              <p:extLst>
-                <p:ext uri="{386F3935-93C4-4BCD-93E2-E3B085C9AB24}">
-                  <p16:designElem xmlns:p16="http://schemas.microsoft.com/office/powerpoint/2015/main" val="1"/>
-                </p:ext>
-              </p:extLst>
-            </p:nvPr>
-          </p:nvSpPr>
-          <p:spPr bwMode="auto">
-            <a:xfrm>
-              <a:off x="14288" y="9525"/>
-              <a:ext cx="1771650" cy="3198813"/>
-            </a:xfrm>
-            <a:custGeom>
-              <a:avLst/>
-              <a:gdLst/>
-              <a:ahLst/>
-              <a:cxnLst/>
-              <a:rect l="0" t="0" r="r" b="b"/>
-              <a:pathLst>
-                <a:path w="373" h="673">
-                  <a:moveTo>
-                    <a:pt x="373" y="0"/>
-                  </a:moveTo>
-                  <a:cubicBezTo>
-                    <a:pt x="175" y="183"/>
-                    <a:pt x="51" y="409"/>
-                    <a:pt x="0" y="673"/>
-                  </a:cubicBezTo>
-                </a:path>
-              </a:pathLst>
-            </a:custGeom>
-            <a:noFill/>
-            <a:ln w="9525" cap="flat">
-              <a:solidFill>
-                <a:schemeClr val="bg1">
-                  <a:alpha val="35000"/>
-                </a:schemeClr>
-              </a:solidFill>
-              <a:prstDash val="solid"/>
-              <a:miter lim="800000"/>
-              <a:headEnd/>
-              <a:tailEnd/>
-            </a:ln>
-            <a:extLst>
-              <a:ext uri="{909E8E84-426E-40DD-AFC4-6F175D3DCCD1}">
-                <a14:hiddenFill xmlns:a14="http://schemas.microsoft.com/office/drawing/2010/main">
-                  <a:solidFill>
-                    <a:srgbClr val="FFFFFF"/>
-                  </a:solidFill>
-                </a14:hiddenFill>
-              </a:ext>
-            </a:extLst>
-          </p:spPr>
-        </p:sp>
-        <p:sp>
-          <p:nvSpPr>
-            <p:cNvPr id="59" name="Freeform 24">
-              <a:extLst>
-                <a:ext uri="{FF2B5EF4-FFF2-40B4-BE49-F238E27FC236}">
-                  <a16:creationId xmlns:a16="http://schemas.microsoft.com/office/drawing/2014/main" id="{128BD14A-9093-4854-A73A-F666B2ED2D21}"/>
-                </a:ext>
-                <a:ext uri="{C183D7F6-B498-43B3-948B-1728B52AA6E4}">
-                  <adec:decorative xmlns:adec="http://schemas.microsoft.com/office/drawing/2017/decorative" val="1"/>
-                </a:ext>
-              </a:extLst>
-            </p:cNvPr>
-            <p:cNvSpPr/>
-            <p:nvPr>
-              <p:extLst>
-                <p:ext uri="{386F3935-93C4-4BCD-93E2-E3B085C9AB24}">
-                  <p16:designElem xmlns:p16="http://schemas.microsoft.com/office/powerpoint/2015/main" val="1"/>
-                </p:ext>
-              </p:extLst>
-            </p:nvPr>
-          </p:nvSpPr>
-          <p:spPr bwMode="auto">
-            <a:xfrm>
-              <a:off x="4763" y="6016625"/>
-              <a:ext cx="214313" cy="827088"/>
-            </a:xfrm>
-            <a:custGeom>
-              <a:avLst/>
-              <a:gdLst/>
-              <a:ahLst/>
-              <a:cxnLst/>
-              <a:rect l="0" t="0" r="r" b="b"/>
-              <a:pathLst>
-                <a:path w="45" h="174">
-                  <a:moveTo>
-                    <a:pt x="0" y="0"/>
-                  </a:moveTo>
-                  <a:cubicBezTo>
-                    <a:pt x="11" y="59"/>
-                    <a:pt x="26" y="118"/>
-                    <a:pt x="45" y="174"/>
-                  </a:cubicBezTo>
-                </a:path>
-              </a:pathLst>
-            </a:custGeom>
-            <a:noFill/>
-            <a:ln w="9525" cap="flat">
-              <a:solidFill>
-                <a:schemeClr val="bg1">
-                  <a:alpha val="35000"/>
-                </a:schemeClr>
-              </a:solidFill>
-              <a:prstDash val="solid"/>
-              <a:miter lim="800000"/>
-              <a:headEnd/>
-              <a:tailEnd/>
-            </a:ln>
-            <a:extLst>
-              <a:ext uri="{909E8E84-426E-40DD-AFC4-6F175D3DCCD1}">
-                <a14:hiddenFill xmlns:a14="http://schemas.microsoft.com/office/drawing/2010/main">
-                  <a:solidFill>
-                    <a:srgbClr val="FFFFFF"/>
-                  </a:solidFill>
-                </a14:hiddenFill>
-              </a:ext>
-            </a:extLst>
-          </p:spPr>
-        </p:sp>
-        <p:sp>
-          <p:nvSpPr>
-            <p:cNvPr id="60" name="Freeform 25">
-              <a:extLst>
-                <a:ext uri="{FF2B5EF4-FFF2-40B4-BE49-F238E27FC236}">
-                  <a16:creationId xmlns:a16="http://schemas.microsoft.com/office/drawing/2014/main" id="{22D884F4-76EC-4371-B903-E79CF191E30F}"/>
-                </a:ext>
-                <a:ext uri="{C183D7F6-B498-43B3-948B-1728B52AA6E4}">
-                  <adec:decorative xmlns:adec="http://schemas.microsoft.com/office/drawing/2017/decorative" val="1"/>
-                </a:ext>
-              </a:extLst>
-            </p:cNvPr>
-            <p:cNvSpPr/>
-            <p:nvPr>
-              <p:extLst>
-                <p:ext uri="{386F3935-93C4-4BCD-93E2-E3B085C9AB24}">
-                  <p16:designElem xmlns:p16="http://schemas.microsoft.com/office/powerpoint/2015/main" val="1"/>
-                </p:ext>
-              </p:extLst>
-            </p:nvPr>
-          </p:nvSpPr>
-          <p:spPr bwMode="auto">
-            <a:xfrm>
-              <a:off x="14288" y="0"/>
-              <a:ext cx="1562100" cy="2228850"/>
-            </a:xfrm>
-            <a:custGeom>
-              <a:avLst/>
-              <a:gdLst/>
-              <a:ahLst/>
-              <a:cxnLst/>
-              <a:rect l="0" t="0" r="r" b="b"/>
-              <a:pathLst>
-                <a:path w="329" h="469">
-                  <a:moveTo>
-                    <a:pt x="329" y="0"/>
-                  </a:moveTo>
-                  <a:cubicBezTo>
-                    <a:pt x="189" y="133"/>
-                    <a:pt x="69" y="288"/>
-                    <a:pt x="0" y="469"/>
-                  </a:cubicBezTo>
-                </a:path>
-              </a:pathLst>
-            </a:custGeom>
-            <a:noFill/>
-            <a:ln w="9525" cap="flat">
-              <a:solidFill>
-                <a:schemeClr val="bg1">
-                  <a:alpha val="35000"/>
-                </a:schemeClr>
-              </a:solidFill>
-              <a:prstDash val="solid"/>
-              <a:miter lim="800000"/>
-              <a:headEnd/>
-              <a:tailEnd/>
-            </a:ln>
-            <a:extLst>
-              <a:ext uri="{909E8E84-426E-40DD-AFC4-6F175D3DCCD1}">
-                <a14:hiddenFill xmlns:a14="http://schemas.microsoft.com/office/drawing/2010/main">
-                  <a:solidFill>
-                    <a:srgbClr val="FFFFFF"/>
-                  </a:solidFill>
-                </a14:hiddenFill>
-              </a:ext>
-            </a:extLst>
-          </p:spPr>
-        </p:sp>
-      </p:grpSp>
-      <p:sp useBgFill="1">
-        <p:nvSpPr>
-          <p:cNvPr id="62" name="Rectangle 61">
-            <a:extLst>
-              <a:ext uri="{FF2B5EF4-FFF2-40B4-BE49-F238E27FC236}">
-                <a16:creationId xmlns:a16="http://schemas.microsoft.com/office/drawing/2014/main" id="{7C462C46-EFB7-4580-9921-DFC346FCC3C2}"/>
-              </a:ext>
-              <a:ext uri="{C183D7F6-B498-43B3-948B-1728B52AA6E4}">
-                <adec:decorative xmlns:adec="http://schemas.microsoft.com/office/drawing/2017/decorative" val="1"/>
-              </a:ext>
-            </a:extLst>
-          </p:cNvPr>
-          <p:cNvSpPr>
-            <a:spLocks noGrp="1" noRot="1" noChangeAspect="1" noMove="1" noResize="1" noEditPoints="1" noAdjustHandles="1" noChangeArrowheads="1" noChangeShapeType="1" noTextEdit="1"/>
-          </p:cNvSpPr>
-          <p:nvPr>
-            <p:extLst>
-              <p:ext uri="{386F3935-93C4-4BCD-93E2-E3B085C9AB24}">
-                <p16:designElem xmlns:p16="http://schemas.microsoft.com/office/powerpoint/2015/main" val="1"/>
-              </p:ext>
-            </p:extLst>
-          </p:nvPr>
-        </p:nvSpPr>
-        <p:spPr>
-          <a:xfrm>
-            <a:off x="1923665" y="0"/>
-            <a:ext cx="10268336" cy="6869208"/>
-          </a:xfrm>
-          <a:prstGeom prst="rect">
-            <a:avLst/>
-          </a:prstGeom>
-          <a:ln>
-            <a:noFill/>
-          </a:ln>
-        </p:spPr>
-        <p:style>
-          <a:lnRef idx="2">
-            <a:schemeClr val="accent1">
-              <a:shade val="50000"/>
-            </a:schemeClr>
-          </a:lnRef>
-          <a:fillRef idx="1">
-            <a:schemeClr val="accent1"/>
-          </a:fillRef>
-          <a:effectRef idx="0">
-            <a:schemeClr val="accent1"/>
-          </a:effectRef>
-          <a:fontRef idx="minor">
-            <a:schemeClr val="lt1"/>
-          </a:fontRef>
-        </p:style>
-        <p:txBody>
-          <a:bodyPr rtlCol="0" anchor="ctr"/>
-          <a:lstStyle/>
-          <a:p>
-            <a:pPr algn="ctr"/>
-            <a:endParaRPr lang="en-US"/>
-          </a:p>
-        </p:txBody>
-      </p:sp>
-      <p:sp>
-        <p:nvSpPr>
-          <p:cNvPr id="3" name="Título 2">
-            <a:extLst>
-              <a:ext uri="{FF2B5EF4-FFF2-40B4-BE49-F238E27FC236}">
-                <a16:creationId xmlns:a16="http://schemas.microsoft.com/office/drawing/2014/main" id="{2EA2984D-8A3D-BF47-9E27-7CC19A753D2C}"/>
-              </a:ext>
-            </a:extLst>
-          </p:cNvPr>
-          <p:cNvSpPr>
-            <a:spLocks noGrp="1"/>
-          </p:cNvSpPr>
-          <p:nvPr>
-            <p:ph type="title"/>
-          </p:nvPr>
-        </p:nvSpPr>
-        <p:spPr>
-          <a:xfrm>
-            <a:off x="2880485" y="841375"/>
-            <a:ext cx="6230857" cy="1230570"/>
-          </a:xfrm>
-        </p:spPr>
-        <p:txBody>
-          <a:bodyPr vert="horz" lIns="228600" tIns="228600" rIns="228600" bIns="228600" rtlCol="0" anchor="t">
-            <a:normAutofit/>
-          </a:bodyPr>
-          <a:lstStyle/>
-          <a:p>
-            <a:pPr algn="l"/>
-            <a:r>
-              <a:rPr lang="en-US" sz="4000" dirty="0" err="1">
-                <a:solidFill>
-                  <a:schemeClr val="accent1"/>
-                </a:solidFill>
-              </a:rPr>
-              <a:t>Recursos</a:t>
-            </a:r>
-            <a:r>
-              <a:rPr lang="en-US" sz="4000" dirty="0">
-                <a:solidFill>
-                  <a:schemeClr val="accent1"/>
-                </a:solidFill>
-              </a:rPr>
-              <a:t> extra</a:t>
-            </a:r>
-          </a:p>
-        </p:txBody>
-      </p:sp>
-      <p:sp>
-        <p:nvSpPr>
-          <p:cNvPr id="64" name="Isosceles Triangle 63">
-            <a:extLst>
-              <a:ext uri="{FF2B5EF4-FFF2-40B4-BE49-F238E27FC236}">
-                <a16:creationId xmlns:a16="http://schemas.microsoft.com/office/drawing/2014/main" id="{B8B918B4-AB10-4E3A-916E-A9625586EA47}"/>
-              </a:ext>
-              <a:ext uri="{C183D7F6-B498-43B3-948B-1728B52AA6E4}">
-                <adec:decorative xmlns:adec="http://schemas.microsoft.com/office/drawing/2017/decorative" val="1"/>
-              </a:ext>
-            </a:extLst>
-          </p:cNvPr>
-          <p:cNvSpPr>
-            <a:spLocks noGrp="1" noRot="1" noChangeAspect="1" noMove="1" noResize="1" noEditPoints="1" noAdjustHandles="1" noChangeArrowheads="1" noChangeShapeType="1" noTextEdit="1"/>
-          </p:cNvSpPr>
-          <p:nvPr>
-            <p:extLst>
-              <p:ext uri="{386F3935-93C4-4BCD-93E2-E3B085C9AB24}">
-                <p16:designElem xmlns:p16="http://schemas.microsoft.com/office/powerpoint/2015/main" val="1"/>
-              </p:ext>
-            </p:extLst>
-          </p:nvPr>
-        </p:nvSpPr>
-        <p:spPr>
-          <a:xfrm rot="5400000">
-            <a:off x="1797903" y="954813"/>
-            <a:ext cx="300774" cy="259288"/>
-          </a:xfrm>
-          <a:prstGeom prst="triangle">
-            <a:avLst/>
-          </a:prstGeom>
-          <a:solidFill>
-            <a:schemeClr val="accent1"/>
-          </a:solidFill>
-          <a:ln>
-            <a:noFill/>
-          </a:ln>
-        </p:spPr>
-        <p:style>
-          <a:lnRef idx="2">
-            <a:schemeClr val="accent1">
-              <a:shade val="50000"/>
-            </a:schemeClr>
-          </a:lnRef>
-          <a:fillRef idx="1">
-            <a:schemeClr val="accent1"/>
-          </a:fillRef>
-          <a:effectRef idx="0">
-            <a:schemeClr val="accent1"/>
-          </a:effectRef>
-          <a:fontRef idx="minor">
-            <a:schemeClr val="lt1"/>
-          </a:fontRef>
-        </p:style>
-        <p:txBody>
-          <a:bodyPr/>
-          <a:lstStyle/>
-          <a:p>
-            <a:endParaRPr lang="en-US" dirty="0"/>
-          </a:p>
-        </p:txBody>
-      </p:sp>
-      <p:sp>
-        <p:nvSpPr>
-          <p:cNvPr id="2" name="CuadroTexto 1">
-            <a:extLst>
-              <a:ext uri="{FF2B5EF4-FFF2-40B4-BE49-F238E27FC236}">
-                <a16:creationId xmlns:a16="http://schemas.microsoft.com/office/drawing/2014/main" id="{AA0598DC-948B-9A47-AB05-0EFC6B121740}"/>
-              </a:ext>
-            </a:extLst>
-          </p:cNvPr>
-          <p:cNvSpPr txBox="1"/>
-          <p:nvPr/>
-        </p:nvSpPr>
-        <p:spPr>
-          <a:xfrm>
-            <a:off x="2996555" y="2007582"/>
-            <a:ext cx="5759834" cy="2031325"/>
-          </a:xfrm>
-          <a:prstGeom prst="rect">
-            <a:avLst/>
-          </a:prstGeom>
-          <a:noFill/>
-        </p:spPr>
-        <p:txBody>
-          <a:bodyPr wrap="square" rtlCol="0">
-            <a:spAutoFit/>
-          </a:bodyPr>
-          <a:lstStyle/>
-          <a:p>
-            <a:r>
-              <a:rPr lang="es-ES_tradnl" b="1" dirty="0"/>
-              <a:t>Comandos importantes!</a:t>
-            </a:r>
-          </a:p>
-          <a:p>
-            <a:endParaRPr lang="es-ES_tradnl" dirty="0"/>
-          </a:p>
-          <a:p>
-            <a:r>
-              <a:rPr lang="es-ES_tradnl" dirty="0"/>
-              <a:t>En CMD (</a:t>
-            </a:r>
-            <a:r>
-              <a:rPr lang="es-ES_tradnl" dirty="0" err="1"/>
-              <a:t>windows</a:t>
-            </a:r>
-            <a:r>
-              <a:rPr lang="es-ES_tradnl" dirty="0"/>
-              <a:t>) o terminal (Linux/Mac)</a:t>
-            </a:r>
-          </a:p>
-          <a:p>
-            <a:pPr marL="285750" indent="-285750">
-              <a:buFont typeface="Arial" panose="020B0604020202020204" pitchFamily="34" charset="0"/>
-              <a:buChar char="•"/>
-            </a:pPr>
-            <a:r>
-              <a:rPr lang="es-ES_tradnl" dirty="0"/>
-              <a:t>Python (nos entrega la versión instalada)</a:t>
-            </a:r>
-          </a:p>
-          <a:p>
-            <a:pPr marL="285750" indent="-285750">
-              <a:buFont typeface="Arial" panose="020B0604020202020204" pitchFamily="34" charset="0"/>
-              <a:buChar char="•"/>
-            </a:pPr>
-            <a:r>
-              <a:rPr lang="es-ES_tradnl" dirty="0"/>
-              <a:t>pip3 </a:t>
-            </a:r>
-            <a:r>
-              <a:rPr lang="es-ES_tradnl" dirty="0" err="1"/>
-              <a:t>install</a:t>
-            </a:r>
-            <a:r>
-              <a:rPr lang="es-ES_tradnl" dirty="0"/>
-              <a:t> </a:t>
-            </a:r>
-            <a:r>
-              <a:rPr lang="es-ES_tradnl" i="1" dirty="0" err="1"/>
-              <a:t>package</a:t>
-            </a:r>
-            <a:r>
-              <a:rPr lang="es-ES_tradnl" i="1" dirty="0"/>
-              <a:t> </a:t>
-            </a:r>
-            <a:r>
-              <a:rPr lang="es-ES_tradnl" dirty="0"/>
-              <a:t>-&gt; pip3 </a:t>
-            </a:r>
-            <a:r>
-              <a:rPr lang="es-ES_tradnl" dirty="0" err="1"/>
-              <a:t>install</a:t>
-            </a:r>
-            <a:r>
-              <a:rPr lang="es-ES_tradnl" dirty="0"/>
-              <a:t> </a:t>
-            </a:r>
-            <a:r>
-              <a:rPr lang="es-ES_tradnl" dirty="0" err="1"/>
-              <a:t>numpy</a:t>
-            </a:r>
-            <a:endParaRPr lang="es-ES_tradnl" dirty="0"/>
-          </a:p>
-          <a:p>
-            <a:pPr marL="285750" indent="-285750">
-              <a:buFont typeface="Arial" panose="020B0604020202020204" pitchFamily="34" charset="0"/>
-              <a:buChar char="•"/>
-            </a:pPr>
-            <a:r>
-              <a:rPr lang="es-ES_tradnl" dirty="0"/>
-              <a:t>pip3 </a:t>
-            </a:r>
-            <a:r>
-              <a:rPr lang="es-ES_tradnl" dirty="0" err="1"/>
-              <a:t>list</a:t>
-            </a:r>
-            <a:endParaRPr lang="es-ES_tradnl" dirty="0"/>
-          </a:p>
-          <a:p>
-            <a:pPr marL="285750" indent="-285750">
-              <a:buFont typeface="Arial" panose="020B0604020202020204" pitchFamily="34" charset="0"/>
-              <a:buChar char="•"/>
-            </a:pPr>
-            <a:r>
-              <a:rPr lang="es-ES_tradnl" dirty="0"/>
-              <a:t>cd y </a:t>
-            </a:r>
-            <a:r>
-              <a:rPr lang="es-ES_tradnl" dirty="0" err="1"/>
-              <a:t>ls</a:t>
-            </a:r>
-            <a:r>
-              <a:rPr lang="es-ES_tradnl" dirty="0"/>
-              <a:t> (Linux/Mac) para acceso a directorios</a:t>
-            </a:r>
-          </a:p>
-        </p:txBody>
-      </p:sp>
-    </p:spTree>
-    <p:extLst>
-      <p:ext uri="{BB962C8B-B14F-4D97-AF65-F5344CB8AC3E}">
-        <p14:creationId xmlns:p14="http://schemas.microsoft.com/office/powerpoint/2010/main" val="1713246826"/>
-      </p:ext>
-    </p:extLst>
-  </p:cSld>
-  <p:clrMapOvr>
-    <a:masterClrMapping/>
-  </p:clrMapOvr>
-</p:sld>
-</file>
-
-<file path=ppt/slides/slide7.xml><?xml version="1.0" encoding="utf-8"?>
-<p:sld xmlns:a="http://schemas.openxmlformats.org/drawingml/2006/main" xmlns:r="http://schemas.openxmlformats.org/officeDocument/2006/relationships" xmlns:p="http://schemas.openxmlformats.org/presentationml/2006/main">
-  <p:cSld>
-    <p:spTree>
-      <p:nvGrpSpPr>
-        <p:cNvPr id="1" name=""/>
-        <p:cNvGrpSpPr/>
-        <p:nvPr/>
-      </p:nvGrpSpPr>
-      <p:grpSpPr>
-        <a:xfrm>
-          <a:off x="0" y="0"/>
-          <a:ext cx="0" cy="0"/>
-          <a:chOff x="0" y="0"/>
-          <a:chExt cx="0" cy="0"/>
-        </a:xfrm>
-      </p:grpSpPr>
-      <p:sp>
-        <p:nvSpPr>
-          <p:cNvPr id="2" name="Marcador de posición de imagen 1">
-            <a:extLst>
-              <a:ext uri="{FF2B5EF4-FFF2-40B4-BE49-F238E27FC236}">
-                <a16:creationId xmlns:a16="http://schemas.microsoft.com/office/drawing/2014/main" id="{1A66DD69-01D1-E249-B61B-84F0062DDE59}"/>
-              </a:ext>
-            </a:extLst>
-          </p:cNvPr>
-          <p:cNvSpPr>
-            <a:spLocks noGrp="1"/>
-          </p:cNvSpPr>
-          <p:nvPr>
-            <p:ph type="pic" idx="1"/>
-          </p:nvPr>
-        </p:nvSpPr>
-        <p:spPr/>
-      </p:sp>
-      <p:sp>
-        <p:nvSpPr>
-          <p:cNvPr id="3" name="Título 2">
-            <a:extLst>
-              <a:ext uri="{FF2B5EF4-FFF2-40B4-BE49-F238E27FC236}">
-                <a16:creationId xmlns:a16="http://schemas.microsoft.com/office/drawing/2014/main" id="{A353675A-71F1-0B40-81F8-0378B290A2AA}"/>
-              </a:ext>
-            </a:extLst>
-          </p:cNvPr>
-          <p:cNvSpPr>
-            <a:spLocks noGrp="1"/>
-          </p:cNvSpPr>
-          <p:nvPr>
-            <p:ph type="title"/>
-          </p:nvPr>
-        </p:nvSpPr>
-        <p:spPr/>
-        <p:txBody>
-          <a:bodyPr/>
-          <a:lstStyle/>
-          <a:p>
-            <a:endParaRPr lang="es-ES_tradnl"/>
-          </a:p>
-        </p:txBody>
-      </p:sp>
-      <p:sp>
-        <p:nvSpPr>
-          <p:cNvPr id="4" name="Marcador de texto 3">
-            <a:extLst>
-              <a:ext uri="{FF2B5EF4-FFF2-40B4-BE49-F238E27FC236}">
-                <a16:creationId xmlns:a16="http://schemas.microsoft.com/office/drawing/2014/main" id="{300B68C0-0D9A-7248-AC2F-9AE9243239C9}"/>
-              </a:ext>
-            </a:extLst>
-          </p:cNvPr>
-          <p:cNvSpPr>
-            <a:spLocks noGrp="1"/>
-          </p:cNvSpPr>
-          <p:nvPr>
-            <p:ph type="body" sz="half" idx="2"/>
-          </p:nvPr>
-        </p:nvSpPr>
-        <p:spPr/>
-        <p:txBody>
-          <a:bodyPr/>
-          <a:lstStyle/>
-          <a:p>
-            <a:endParaRPr lang="es-ES_tradnl"/>
-          </a:p>
-        </p:txBody>
-      </p:sp>
-    </p:spTree>
-    <p:extLst>
-      <p:ext uri="{BB962C8B-B14F-4D97-AF65-F5344CB8AC3E}">
-        <p14:creationId xmlns:p14="http://schemas.microsoft.com/office/powerpoint/2010/main" val="1855292617"/>
-      </p:ext>
-    </p:extLst>
-  </p:cSld>
-  <p:clrMapOvr>
-    <a:masterClrMapping/>
-  </p:clrMapOvr>
-</p:sld>
-</file>
-
 <file path=ppt/theme/theme1.xml><?xml version="1.0" encoding="utf-8"?>
 <a:theme xmlns:a="http://schemas.openxmlformats.org/drawingml/2006/main" name="Atlas">
   <a:themeElements>

--- a/AY01/ay1.pptx
+++ b/AY01/ay1.pptx
@@ -1527,7 +1527,7 @@
           <a:p>
             <a:fld id="{DBACD8B3-7028-1345-A1C2-5DBECAD7FFD6}" type="datetimeFigureOut">
               <a:rPr lang="es-ES_tradnl" smtClean="0"/>
-              <a:t>6/8/19</a:t>
+              <a:t>19/08/2019</a:t>
             </a:fld>
             <a:endParaRPr lang="es-ES_tradnl"/>
           </a:p>
@@ -2986,7 +2986,7 @@
           <a:p>
             <a:fld id="{DBACD8B3-7028-1345-A1C2-5DBECAD7FFD6}" type="datetimeFigureOut">
               <a:rPr lang="es-ES_tradnl" smtClean="0"/>
-              <a:t>6/8/19</a:t>
+              <a:t>19/08/2019</a:t>
             </a:fld>
             <a:endParaRPr lang="es-ES_tradnl"/>
           </a:p>
@@ -4439,7 +4439,7 @@
           <a:p>
             <a:fld id="{DBACD8B3-7028-1345-A1C2-5DBECAD7FFD6}" type="datetimeFigureOut">
               <a:rPr lang="es-ES_tradnl" smtClean="0"/>
-              <a:t>6/8/19</a:t>
+              <a:t>19/08/2019</a:t>
             </a:fld>
             <a:endParaRPr lang="es-ES_tradnl"/>
           </a:p>
@@ -5894,7 +5894,7 @@
           <a:p>
             <a:fld id="{DBACD8B3-7028-1345-A1C2-5DBECAD7FFD6}" type="datetimeFigureOut">
               <a:rPr lang="es-ES_tradnl" smtClean="0"/>
-              <a:t>6/8/19</a:t>
+              <a:t>19/08/2019</a:t>
             </a:fld>
             <a:endParaRPr lang="es-ES_tradnl"/>
           </a:p>
@@ -7402,7 +7402,7 @@
           <a:p>
             <a:fld id="{DBACD8B3-7028-1345-A1C2-5DBECAD7FFD6}" type="datetimeFigureOut">
               <a:rPr lang="es-ES_tradnl" smtClean="0"/>
-              <a:t>6/8/19</a:t>
+              <a:t>19/08/2019</a:t>
             </a:fld>
             <a:endParaRPr lang="es-ES_tradnl"/>
           </a:p>
@@ -8923,7 +8923,7 @@
           <a:p>
             <a:fld id="{DBACD8B3-7028-1345-A1C2-5DBECAD7FFD6}" type="datetimeFigureOut">
               <a:rPr lang="es-ES_tradnl" smtClean="0"/>
-              <a:t>6/8/19</a:t>
+              <a:t>19/08/2019</a:t>
             </a:fld>
             <a:endParaRPr lang="es-ES_tradnl"/>
           </a:p>
@@ -10588,7 +10588,7 @@
           <a:p>
             <a:fld id="{DBACD8B3-7028-1345-A1C2-5DBECAD7FFD6}" type="datetimeFigureOut">
               <a:rPr lang="es-ES_tradnl" smtClean="0"/>
-              <a:t>6/8/19</a:t>
+              <a:t>19/08/2019</a:t>
             </a:fld>
             <a:endParaRPr lang="es-ES_tradnl"/>
           </a:p>
@@ -11986,7 +11986,7 @@
           <a:p>
             <a:fld id="{DBACD8B3-7028-1345-A1C2-5DBECAD7FFD6}" type="datetimeFigureOut">
               <a:rPr lang="es-ES_tradnl" smtClean="0"/>
-              <a:t>6/8/19</a:t>
+              <a:t>19/08/2019</a:t>
             </a:fld>
             <a:endParaRPr lang="es-ES_tradnl"/>
           </a:p>
@@ -12086,7 +12086,7 @@
           <a:p>
             <a:fld id="{DBACD8B3-7028-1345-A1C2-5DBECAD7FFD6}" type="datetimeFigureOut">
               <a:rPr lang="es-ES_tradnl" smtClean="0"/>
-              <a:t>6/8/19</a:t>
+              <a:t>19/08/2019</a:t>
             </a:fld>
             <a:endParaRPr lang="es-ES_tradnl"/>
           </a:p>
@@ -13612,7 +13612,7 @@
           <a:p>
             <a:fld id="{DBACD8B3-7028-1345-A1C2-5DBECAD7FFD6}" type="datetimeFigureOut">
               <a:rPr lang="es-ES_tradnl" smtClean="0"/>
-              <a:t>6/8/19</a:t>
+              <a:t>19/08/2019</a:t>
             </a:fld>
             <a:endParaRPr lang="es-ES_tradnl"/>
           </a:p>
@@ -15148,7 +15148,7 @@
           <a:p>
             <a:fld id="{DBACD8B3-7028-1345-A1C2-5DBECAD7FFD6}" type="datetimeFigureOut">
               <a:rPr lang="es-ES_tradnl" smtClean="0"/>
-              <a:t>6/8/19</a:t>
+              <a:t>19/08/2019</a:t>
             </a:fld>
             <a:endParaRPr lang="es-ES_tradnl"/>
           </a:p>
@@ -15371,7 +15371,7 @@
           <a:p>
             <a:fld id="{DBACD8B3-7028-1345-A1C2-5DBECAD7FFD6}" type="datetimeFigureOut">
               <a:rPr lang="es-ES_tradnl" smtClean="0"/>
-              <a:t>6/8/19</a:t>
+              <a:t>19/08/2019</a:t>
             </a:fld>
             <a:endParaRPr lang="es-ES_tradnl"/>
           </a:p>
@@ -19351,7 +19351,7 @@
               <a:buChar char="§"/>
             </a:pPr>
             <a:r>
-              <a:rPr lang="en-US">
+              <a:rPr lang="en-US" dirty="0">
                 <a:solidFill>
                   <a:schemeClr val="tx1"/>
                 </a:solidFill>
@@ -19365,12 +19365,36 @@
               <a:buChar char="§"/>
             </a:pPr>
             <a:r>
-              <a:rPr lang="en-US">
+              <a:rPr lang="en-US" dirty="0" err="1">
                 <a:solidFill>
                   <a:schemeClr val="tx1"/>
                 </a:solidFill>
               </a:rPr>
-              <a:t>Instalación y entrono de Desarrollo</a:t>
+              <a:t>Instalación</a:t>
+            </a:r>
+            <a:r>
+              <a:rPr lang="en-US" dirty="0">
+                <a:solidFill>
+                  <a:schemeClr val="tx1"/>
+                </a:solidFill>
+              </a:rPr>
+              <a:t> y </a:t>
+            </a:r>
+            <a:r>
+              <a:rPr lang="en-US" dirty="0" err="1">
+                <a:solidFill>
+                  <a:schemeClr val="tx1"/>
+                </a:solidFill>
+              </a:rPr>
+              <a:t>entorno</a:t>
+            </a:r>
+            <a:r>
+              <a:rPr lang="en-US" dirty="0">
+                <a:solidFill>
+                  <a:schemeClr val="tx1"/>
+                </a:solidFill>
+              </a:rPr>
+              <a:t> de Desarrollo</a:t>
             </a:r>
           </a:p>
           <a:p>
@@ -19379,12 +19403,106 @@
               <a:buChar char="§"/>
             </a:pPr>
             <a:r>
-              <a:rPr lang="en-US">
+              <a:rPr lang="en-US" dirty="0" err="1">
                 <a:solidFill>
                   <a:schemeClr val="tx1"/>
                 </a:solidFill>
               </a:rPr>
-              <a:t>Fundamentos del Lenguaje</a:t>
+              <a:t>Fundamentos</a:t>
+            </a:r>
+            <a:r>
+              <a:rPr lang="en-US" dirty="0">
+                <a:solidFill>
+                  <a:schemeClr val="tx1"/>
+                </a:solidFill>
+              </a:rPr>
+              <a:t> del </a:t>
+            </a:r>
+            <a:r>
+              <a:rPr lang="en-US" dirty="0" err="1">
+                <a:solidFill>
+                  <a:schemeClr val="tx1"/>
+                </a:solidFill>
+              </a:rPr>
+              <a:t>Lenguaje</a:t>
+            </a:r>
+            <a:endParaRPr lang="en-US" dirty="0">
+              <a:solidFill>
+                <a:schemeClr val="tx1"/>
+              </a:solidFill>
+            </a:endParaRPr>
+          </a:p>
+          <a:p>
+            <a:pPr indent="-228600" algn="l">
+              <a:buFont typeface="Wingdings" panose="05000000000000000000" pitchFamily="2" charset="2"/>
+              <a:buChar char="§"/>
+            </a:pPr>
+            <a:r>
+              <a:rPr lang="en-US" dirty="0" err="1">
+                <a:solidFill>
+                  <a:schemeClr val="tx1"/>
+                </a:solidFill>
+              </a:rPr>
+              <a:t>Modelación</a:t>
+            </a:r>
+            <a:r>
+              <a:rPr lang="en-US" dirty="0">
+                <a:solidFill>
+                  <a:schemeClr val="tx1"/>
+                </a:solidFill>
+              </a:rPr>
+              <a:t> de </a:t>
+            </a:r>
+            <a:r>
+              <a:rPr lang="en-US" dirty="0" err="1">
+                <a:solidFill>
+                  <a:schemeClr val="tx1"/>
+                </a:solidFill>
+              </a:rPr>
+              <a:t>objetos</a:t>
+            </a:r>
+            <a:endParaRPr lang="en-US" dirty="0">
+              <a:solidFill>
+                <a:schemeClr val="tx1"/>
+              </a:solidFill>
+            </a:endParaRPr>
+          </a:p>
+          <a:p>
+            <a:pPr indent="-228600" algn="l">
+              <a:buFont typeface="Wingdings" panose="05000000000000000000" pitchFamily="2" charset="2"/>
+              <a:buChar char="§"/>
+            </a:pPr>
+            <a:r>
+              <a:rPr lang="en-US" dirty="0" err="1">
+                <a:solidFill>
+                  <a:schemeClr val="tx1"/>
+                </a:solidFill>
+              </a:rPr>
+              <a:t>Plataformas</a:t>
+            </a:r>
+            <a:r>
+              <a:rPr lang="en-US" dirty="0">
+                <a:solidFill>
+                  <a:schemeClr val="tx1"/>
+                </a:solidFill>
+              </a:rPr>
+              <a:t> y </a:t>
+            </a:r>
+            <a:r>
+              <a:rPr lang="en-US" dirty="0" err="1">
+                <a:solidFill>
+                  <a:schemeClr val="tx1"/>
+                </a:solidFill>
+              </a:rPr>
+              <a:t>páginas</a:t>
+            </a:r>
+            <a:r>
+              <a:rPr lang="en-US" dirty="0">
+                <a:solidFill>
+                  <a:schemeClr val="tx1"/>
+                </a:solidFill>
+              </a:rPr>
+              <a:t> de consulta</a:t>
             </a:r>
           </a:p>
           <a:p>
@@ -19392,35 +19510,7 @@
               <a:buFont typeface="Wingdings" panose="05000000000000000000" pitchFamily="2" charset="2"/>
               <a:buChar char="§"/>
             </a:pPr>
-            <a:r>
-              <a:rPr lang="en-US">
-                <a:solidFill>
-                  <a:schemeClr val="tx1"/>
-                </a:solidFill>
-              </a:rPr>
-              <a:t>Modelación de objetos</a:t>
-            </a:r>
-          </a:p>
-          <a:p>
-            <a:pPr indent="-228600" algn="l">
-              <a:buFont typeface="Wingdings" panose="05000000000000000000" pitchFamily="2" charset="2"/>
-              <a:buChar char="§"/>
-            </a:pPr>
-            <a:r>
-              <a:rPr lang="en-US">
-                <a:solidFill>
-                  <a:schemeClr val="tx1"/>
-                </a:solidFill>
-              </a:rPr>
-              <a:t>Plataformas y páginas de consulta</a:t>
-            </a:r>
-          </a:p>
-          <a:p>
-            <a:pPr indent="-228600" algn="l">
-              <a:buFont typeface="Wingdings" panose="05000000000000000000" pitchFamily="2" charset="2"/>
-              <a:buChar char="§"/>
-            </a:pPr>
-            <a:endParaRPr lang="en-US">
+            <a:endParaRPr lang="en-US" dirty="0">
               <a:solidFill>
                 <a:schemeClr val="tx1"/>
               </a:solidFill>
